--- a/Presentation1.pptx
+++ b/Presentation1.pptx
@@ -132,9 +132,7 @@
 <file path=ppt/revisionInfo.xml><?xml version="1.0" encoding="utf-8"?>
 <p1510:revInfo xmlns:a="http://schemas.openxmlformats.org/drawingml/2006/main" xmlns:r="http://schemas.openxmlformats.org/officeDocument/2006/relationships" xmlns:p1510="http://schemas.microsoft.com/office/powerpoint/2015/10/main">
   <p1510:revLst>
-    <p1510:client id="{8F4F700C-17F3-88B7-055D-358E818D524A}" v="5" dt="2025-04-28T19:09:33.415"/>
-    <p1510:client id="{F4891E39-2D7D-4D49-A1D5-1DCAA5CE2DEA}" v="220" dt="2025-04-27T09:20:02.499"/>
-    <p1510:client id="{F7C333AC-EF8C-0C08-AC1A-B329F8468270}" v="141" dt="2025-04-28T05:04:06.713"/>
+    <p1510:client id="{523E549A-B0EB-4E34-876B-974C499E1710}" v="2" dt="2025-09-12T01:05:33.647"/>
   </p1510:revLst>
 </p1510:revInfo>
 </file>
@@ -154,14 +152,6 @@
           <pc:docMk/>
           <pc:sldMk cId="1818462013" sldId="259"/>
         </pc:sldMkLst>
-        <pc:graphicFrameChg chg="modGraphic">
-          <ac:chgData name="Budach, Bradley F" userId="S::wb8295nb@go.minnstate.edu::39d9ff44-0360-435a-8eb6-4de8a46e6805" providerId="AD" clId="Web-{8F4F700C-17F3-88B7-055D-358E818D524A}" dt="2025-04-28T19:09:05.431" v="16" actId="20577"/>
-          <ac:graphicFrameMkLst>
-            <pc:docMk/>
-            <pc:sldMk cId="1818462013" sldId="259"/>
-            <ac:graphicFrameMk id="5" creationId="{CC48F713-A571-BE64-6831-C1C82FF2A6D7}"/>
-          </ac:graphicFrameMkLst>
-        </pc:graphicFrameChg>
       </pc:sldChg>
       <pc:sldChg chg="modSp">
         <pc:chgData name="Budach, Bradley F" userId="S::wb8295nb@go.minnstate.edu::39d9ff44-0360-435a-8eb6-4de8a46e6805" providerId="AD" clId="Web-{8F4F700C-17F3-88B7-055D-358E818D524A}" dt="2025-04-28T19:09:13.899" v="18" actId="20577"/>
@@ -169,14 +159,6 @@
           <pc:docMk/>
           <pc:sldMk cId="3855213420" sldId="260"/>
         </pc:sldMkLst>
-        <pc:graphicFrameChg chg="modGraphic">
-          <ac:chgData name="Budach, Bradley F" userId="S::wb8295nb@go.minnstate.edu::39d9ff44-0360-435a-8eb6-4de8a46e6805" providerId="AD" clId="Web-{8F4F700C-17F3-88B7-055D-358E818D524A}" dt="2025-04-28T19:09:13.899" v="18" actId="20577"/>
-          <ac:graphicFrameMkLst>
-            <pc:docMk/>
-            <pc:sldMk cId="3855213420" sldId="260"/>
-            <ac:graphicFrameMk id="5" creationId="{50392F00-B0BA-97BF-5567-88F9A30BAA07}"/>
-          </ac:graphicFrameMkLst>
-        </pc:graphicFrameChg>
       </pc:sldChg>
       <pc:sldChg chg="modSp">
         <pc:chgData name="Budach, Bradley F" userId="S::wb8295nb@go.minnstate.edu::39d9ff44-0360-435a-8eb6-4de8a46e6805" providerId="AD" clId="Web-{8F4F700C-17F3-88B7-055D-358E818D524A}" dt="2025-04-28T19:09:32.337" v="21" actId="20577"/>
@@ -184,14 +166,6 @@
           <pc:docMk/>
           <pc:sldMk cId="1399489611" sldId="263"/>
         </pc:sldMkLst>
-        <pc:spChg chg="mod">
-          <ac:chgData name="Budach, Bradley F" userId="S::wb8295nb@go.minnstate.edu::39d9ff44-0360-435a-8eb6-4de8a46e6805" providerId="AD" clId="Web-{8F4F700C-17F3-88B7-055D-358E818D524A}" dt="2025-04-28T19:09:32.337" v="21" actId="20577"/>
-          <ac:spMkLst>
-            <pc:docMk/>
-            <pc:sldMk cId="1399489611" sldId="263"/>
-            <ac:spMk id="2" creationId="{4C21D65B-206E-4BD3-895F-FAA6BB80D253}"/>
-          </ac:spMkLst>
-        </pc:spChg>
       </pc:sldChg>
     </pc:docChg>
   </pc:docChgLst>
@@ -208,46 +182,6 @@
           <pc:docMk/>
           <pc:sldMk cId="3898142571" sldId="258"/>
         </pc:sldMkLst>
-        <pc:spChg chg="add">
-          <ac:chgData name="Kumar, Pronob" userId="d02b49e2-ad8b-46c0-979e-129feda16720" providerId="ADAL" clId="{F4891E39-2D7D-4D49-A1D5-1DCAA5CE2DEA}" dt="2025-04-27T08:47:31.581" v="947" actId="26606"/>
-          <ac:spMkLst>
-            <pc:docMk/>
-            <pc:sldMk cId="3898142571" sldId="258"/>
-            <ac:spMk id="8" creationId="{86FF76B9-219D-4469-AF87-0236D29032F1}"/>
-          </ac:spMkLst>
-        </pc:spChg>
-        <pc:spChg chg="add">
-          <ac:chgData name="Kumar, Pronob" userId="d02b49e2-ad8b-46c0-979e-129feda16720" providerId="ADAL" clId="{F4891E39-2D7D-4D49-A1D5-1DCAA5CE2DEA}" dt="2025-04-27T08:47:31.581" v="947" actId="26606"/>
-          <ac:spMkLst>
-            <pc:docMk/>
-            <pc:sldMk cId="3898142571" sldId="258"/>
-            <ac:spMk id="14" creationId="{2E80C965-DB6D-4F81-9E9E-B027384D0BD6}"/>
-          </ac:spMkLst>
-        </pc:spChg>
-        <pc:spChg chg="add">
-          <ac:chgData name="Kumar, Pronob" userId="d02b49e2-ad8b-46c0-979e-129feda16720" providerId="ADAL" clId="{F4891E39-2D7D-4D49-A1D5-1DCAA5CE2DEA}" dt="2025-04-27T08:47:31.581" v="947" actId="26606"/>
-          <ac:spMkLst>
-            <pc:docMk/>
-            <pc:sldMk cId="3898142571" sldId="258"/>
-            <ac:spMk id="16" creationId="{633C5E46-DAC5-4661-9C87-22B08E2A512F}"/>
-          </ac:spMkLst>
-        </pc:spChg>
-        <pc:grpChg chg="add">
-          <ac:chgData name="Kumar, Pronob" userId="d02b49e2-ad8b-46c0-979e-129feda16720" providerId="ADAL" clId="{F4891E39-2D7D-4D49-A1D5-1DCAA5CE2DEA}" dt="2025-04-27T08:47:31.581" v="947" actId="26606"/>
-          <ac:grpSpMkLst>
-            <pc:docMk/>
-            <pc:sldMk cId="3898142571" sldId="258"/>
-            <ac:grpSpMk id="10" creationId="{DB88BD78-87E1-424D-B479-C37D8E41B12E}"/>
-          </ac:grpSpMkLst>
-        </pc:grpChg>
-        <pc:picChg chg="add mod">
-          <ac:chgData name="Kumar, Pronob" userId="d02b49e2-ad8b-46c0-979e-129feda16720" providerId="ADAL" clId="{F4891E39-2D7D-4D49-A1D5-1DCAA5CE2DEA}" dt="2025-04-27T08:47:53.459" v="950" actId="14100"/>
-          <ac:picMkLst>
-            <pc:docMk/>
-            <pc:sldMk cId="3898142571" sldId="258"/>
-            <ac:picMk id="3" creationId="{89E28271-7C3A-D0AA-6584-2D9F81CFF352}"/>
-          </ac:picMkLst>
-        </pc:picChg>
       </pc:sldChg>
       <pc:sldChg chg="addSp delSp modSp mod setBg">
         <pc:chgData name="Kumar, Pronob" userId="d02b49e2-ad8b-46c0-979e-129feda16720" providerId="ADAL" clId="{F4891E39-2D7D-4D49-A1D5-1DCAA5CE2DEA}" dt="2025-04-25T00:58:20.848" v="425" actId="26606"/>
@@ -255,54 +189,6 @@
           <pc:docMk/>
           <pc:sldMk cId="1818462013" sldId="259"/>
         </pc:sldMkLst>
-        <pc:spChg chg="add mod">
-          <ac:chgData name="Kumar, Pronob" userId="d02b49e2-ad8b-46c0-979e-129feda16720" providerId="ADAL" clId="{F4891E39-2D7D-4D49-A1D5-1DCAA5CE2DEA}" dt="2025-04-25T00:58:20.848" v="425" actId="26606"/>
-          <ac:spMkLst>
-            <pc:docMk/>
-            <pc:sldMk cId="1818462013" sldId="259"/>
-            <ac:spMk id="2" creationId="{B9CB3A9F-ADAE-E665-2E2C-A4B8958FA79E}"/>
-          </ac:spMkLst>
-        </pc:spChg>
-        <pc:spChg chg="add">
-          <ac:chgData name="Kumar, Pronob" userId="d02b49e2-ad8b-46c0-979e-129feda16720" providerId="ADAL" clId="{F4891E39-2D7D-4D49-A1D5-1DCAA5CE2DEA}" dt="2025-04-25T00:58:20.848" v="425" actId="26606"/>
-          <ac:spMkLst>
-            <pc:docMk/>
-            <pc:sldMk cId="1818462013" sldId="259"/>
-            <ac:spMk id="22" creationId="{BACC6370-2D7E-4714-9D71-7542949D7D5D}"/>
-          </ac:spMkLst>
-        </pc:spChg>
-        <pc:spChg chg="add">
-          <ac:chgData name="Kumar, Pronob" userId="d02b49e2-ad8b-46c0-979e-129feda16720" providerId="ADAL" clId="{F4891E39-2D7D-4D49-A1D5-1DCAA5CE2DEA}" dt="2025-04-25T00:58:20.848" v="425" actId="26606"/>
-          <ac:spMkLst>
-            <pc:docMk/>
-            <pc:sldMk cId="1818462013" sldId="259"/>
-            <ac:spMk id="24" creationId="{F68B3F68-107C-434F-AA38-110D5EA91B85}"/>
-          </ac:spMkLst>
-        </pc:spChg>
-        <pc:spChg chg="add">
-          <ac:chgData name="Kumar, Pronob" userId="d02b49e2-ad8b-46c0-979e-129feda16720" providerId="ADAL" clId="{F4891E39-2D7D-4D49-A1D5-1DCAA5CE2DEA}" dt="2025-04-25T00:58:20.848" v="425" actId="26606"/>
-          <ac:spMkLst>
-            <pc:docMk/>
-            <pc:sldMk cId="1818462013" sldId="259"/>
-            <ac:spMk id="26" creationId="{AAD0DBB9-1A4B-4391-81D4-CB19F9AB918A}"/>
-          </ac:spMkLst>
-        </pc:spChg>
-        <pc:spChg chg="add">
-          <ac:chgData name="Kumar, Pronob" userId="d02b49e2-ad8b-46c0-979e-129feda16720" providerId="ADAL" clId="{F4891E39-2D7D-4D49-A1D5-1DCAA5CE2DEA}" dt="2025-04-25T00:58:20.848" v="425" actId="26606"/>
-          <ac:spMkLst>
-            <pc:docMk/>
-            <pc:sldMk cId="1818462013" sldId="259"/>
-            <ac:spMk id="28" creationId="{063BBA22-50EA-4C4D-BE05-F1CE4E63AA56}"/>
-          </ac:spMkLst>
-        </pc:spChg>
-        <pc:graphicFrameChg chg="add mod modGraphic">
-          <ac:chgData name="Kumar, Pronob" userId="d02b49e2-ad8b-46c0-979e-129feda16720" providerId="ADAL" clId="{F4891E39-2D7D-4D49-A1D5-1DCAA5CE2DEA}" dt="2025-04-25T00:58:20.848" v="425" actId="26606"/>
-          <ac:graphicFrameMkLst>
-            <pc:docMk/>
-            <pc:sldMk cId="1818462013" sldId="259"/>
-            <ac:graphicFrameMk id="5" creationId="{CC48F713-A571-BE64-6831-C1C82FF2A6D7}"/>
-          </ac:graphicFrameMkLst>
-        </pc:graphicFrameChg>
       </pc:sldChg>
       <pc:sldChg chg="addSp delSp modSp mod ord setBg">
         <pc:chgData name="Kumar, Pronob" userId="d02b49e2-ad8b-46c0-979e-129feda16720" providerId="ADAL" clId="{F4891E39-2D7D-4D49-A1D5-1DCAA5CE2DEA}" dt="2025-04-26T23:45:47.332" v="706" actId="26606"/>
@@ -310,62 +196,6 @@
           <pc:docMk/>
           <pc:sldMk cId="3855213420" sldId="260"/>
         </pc:sldMkLst>
-        <pc:spChg chg="add mod">
-          <ac:chgData name="Kumar, Pronob" userId="d02b49e2-ad8b-46c0-979e-129feda16720" providerId="ADAL" clId="{F4891E39-2D7D-4D49-A1D5-1DCAA5CE2DEA}" dt="2025-04-26T23:45:47.332" v="706" actId="26606"/>
-          <ac:spMkLst>
-            <pc:docMk/>
-            <pc:sldMk cId="3855213420" sldId="260"/>
-            <ac:spMk id="2" creationId="{E1235643-E3E9-7224-44CD-EFFE260981F9}"/>
-          </ac:spMkLst>
-        </pc:spChg>
-        <pc:spChg chg="add del mod">
-          <ac:chgData name="Kumar, Pronob" userId="d02b49e2-ad8b-46c0-979e-129feda16720" providerId="ADAL" clId="{F4891E39-2D7D-4D49-A1D5-1DCAA5CE2DEA}" dt="2025-04-26T23:45:47.332" v="706" actId="26606"/>
-          <ac:spMkLst>
-            <pc:docMk/>
-            <pc:sldMk cId="3855213420" sldId="260"/>
-            <ac:spMk id="3" creationId="{E7894934-F1E0-DAE4-412F-558CE9BCC6DA}"/>
-          </ac:spMkLst>
-        </pc:spChg>
-        <pc:spChg chg="add">
-          <ac:chgData name="Kumar, Pronob" userId="d02b49e2-ad8b-46c0-979e-129feda16720" providerId="ADAL" clId="{F4891E39-2D7D-4D49-A1D5-1DCAA5CE2DEA}" dt="2025-04-26T23:45:47.332" v="706" actId="26606"/>
-          <ac:spMkLst>
-            <pc:docMk/>
-            <pc:sldMk cId="3855213420" sldId="260"/>
-            <ac:spMk id="9" creationId="{BACC6370-2D7E-4714-9D71-7542949D7D5D}"/>
-          </ac:spMkLst>
-        </pc:spChg>
-        <pc:spChg chg="add">
-          <ac:chgData name="Kumar, Pronob" userId="d02b49e2-ad8b-46c0-979e-129feda16720" providerId="ADAL" clId="{F4891E39-2D7D-4D49-A1D5-1DCAA5CE2DEA}" dt="2025-04-26T23:45:47.332" v="706" actId="26606"/>
-          <ac:spMkLst>
-            <pc:docMk/>
-            <pc:sldMk cId="3855213420" sldId="260"/>
-            <ac:spMk id="11" creationId="{F68B3F68-107C-434F-AA38-110D5EA91B85}"/>
-          </ac:spMkLst>
-        </pc:spChg>
-        <pc:spChg chg="add">
-          <ac:chgData name="Kumar, Pronob" userId="d02b49e2-ad8b-46c0-979e-129feda16720" providerId="ADAL" clId="{F4891E39-2D7D-4D49-A1D5-1DCAA5CE2DEA}" dt="2025-04-26T23:45:47.332" v="706" actId="26606"/>
-          <ac:spMkLst>
-            <pc:docMk/>
-            <pc:sldMk cId="3855213420" sldId="260"/>
-            <ac:spMk id="13" creationId="{AAD0DBB9-1A4B-4391-81D4-CB19F9AB918A}"/>
-          </ac:spMkLst>
-        </pc:spChg>
-        <pc:spChg chg="add">
-          <ac:chgData name="Kumar, Pronob" userId="d02b49e2-ad8b-46c0-979e-129feda16720" providerId="ADAL" clId="{F4891E39-2D7D-4D49-A1D5-1DCAA5CE2DEA}" dt="2025-04-26T23:45:47.332" v="706" actId="26606"/>
-          <ac:spMkLst>
-            <pc:docMk/>
-            <pc:sldMk cId="3855213420" sldId="260"/>
-            <ac:spMk id="15" creationId="{063BBA22-50EA-4C4D-BE05-F1CE4E63AA56}"/>
-          </ac:spMkLst>
-        </pc:spChg>
-        <pc:graphicFrameChg chg="add">
-          <ac:chgData name="Kumar, Pronob" userId="d02b49e2-ad8b-46c0-979e-129feda16720" providerId="ADAL" clId="{F4891E39-2D7D-4D49-A1D5-1DCAA5CE2DEA}" dt="2025-04-26T23:45:47.332" v="706" actId="26606"/>
-          <ac:graphicFrameMkLst>
-            <pc:docMk/>
-            <pc:sldMk cId="3855213420" sldId="260"/>
-            <ac:graphicFrameMk id="5" creationId="{50392F00-B0BA-97BF-5567-88F9A30BAA07}"/>
-          </ac:graphicFrameMkLst>
-        </pc:graphicFrameChg>
       </pc:sldChg>
       <pc:sldChg chg="addSp delSp modSp add mod setBg">
         <pc:chgData name="Kumar, Pronob" userId="d02b49e2-ad8b-46c0-979e-129feda16720" providerId="ADAL" clId="{F4891E39-2D7D-4D49-A1D5-1DCAA5CE2DEA}" dt="2025-04-27T09:01:04.917" v="1007" actId="20577"/>
@@ -373,46 +203,6 @@
           <pc:docMk/>
           <pc:sldMk cId="0" sldId="261"/>
         </pc:sldMkLst>
-        <pc:spChg chg="mod">
-          <ac:chgData name="Kumar, Pronob" userId="d02b49e2-ad8b-46c0-979e-129feda16720" providerId="ADAL" clId="{F4891E39-2D7D-4D49-A1D5-1DCAA5CE2DEA}" dt="2025-04-27T08:39:49.887" v="874" actId="26606"/>
-          <ac:spMkLst>
-            <pc:docMk/>
-            <pc:sldMk cId="0" sldId="261"/>
-            <ac:spMk id="2" creationId="{00000000-0000-0000-0000-000000000000}"/>
-          </ac:spMkLst>
-        </pc:spChg>
-        <pc:spChg chg="del">
-          <ac:chgData name="Kumar, Pronob" userId="d02b49e2-ad8b-46c0-979e-129feda16720" providerId="ADAL" clId="{F4891E39-2D7D-4D49-A1D5-1DCAA5CE2DEA}" dt="2025-04-27T08:39:49.887" v="874" actId="26606"/>
-          <ac:spMkLst>
-            <pc:docMk/>
-            <pc:sldMk cId="0" sldId="261"/>
-            <ac:spMk id="3" creationId="{00000000-0000-0000-0000-000000000000}"/>
-          </ac:spMkLst>
-        </pc:spChg>
-        <pc:spChg chg="add">
-          <ac:chgData name="Kumar, Pronob" userId="d02b49e2-ad8b-46c0-979e-129feda16720" providerId="ADAL" clId="{F4891E39-2D7D-4D49-A1D5-1DCAA5CE2DEA}" dt="2025-04-27T08:39:49.887" v="874" actId="26606"/>
-          <ac:spMkLst>
-            <pc:docMk/>
-            <pc:sldMk cId="0" sldId="261"/>
-            <ac:spMk id="9" creationId="{2E442304-DDBD-4F7B-8017-36BCC863FB40}"/>
-          </ac:spMkLst>
-        </pc:spChg>
-        <pc:spChg chg="add">
-          <ac:chgData name="Kumar, Pronob" userId="d02b49e2-ad8b-46c0-979e-129feda16720" providerId="ADAL" clId="{F4891E39-2D7D-4D49-A1D5-1DCAA5CE2DEA}" dt="2025-04-27T08:39:49.887" v="874" actId="26606"/>
-          <ac:spMkLst>
-            <pc:docMk/>
-            <pc:sldMk cId="0" sldId="261"/>
-            <ac:spMk id="11" creationId="{5E107275-3853-46FD-A241-DE4355A42675}"/>
-          </ac:spMkLst>
-        </pc:spChg>
-        <pc:graphicFrameChg chg="add mod">
-          <ac:chgData name="Kumar, Pronob" userId="d02b49e2-ad8b-46c0-979e-129feda16720" providerId="ADAL" clId="{F4891E39-2D7D-4D49-A1D5-1DCAA5CE2DEA}" dt="2025-04-27T09:01:04.917" v="1007" actId="20577"/>
-          <ac:graphicFrameMkLst>
-            <pc:docMk/>
-            <pc:sldMk cId="0" sldId="261"/>
-            <ac:graphicFrameMk id="5" creationId="{B3B7E256-0D7D-2BF1-9DAD-D2CE1706A7A5}"/>
-          </ac:graphicFrameMkLst>
-        </pc:graphicFrameChg>
       </pc:sldChg>
       <pc:sldChg chg="del">
         <pc:chgData name="Kumar, Pronob" userId="d02b49e2-ad8b-46c0-979e-129feda16720" providerId="ADAL" clId="{F4891E39-2D7D-4D49-A1D5-1DCAA5CE2DEA}" dt="2025-04-27T06:16:33.679" v="711" actId="47"/>
@@ -434,134 +224,6 @@
           <pc:docMk/>
           <pc:sldMk cId="0" sldId="264"/>
         </pc:sldMkLst>
-        <pc:spChg chg="mod">
-          <ac:chgData name="Kumar, Pronob" userId="d02b49e2-ad8b-46c0-979e-129feda16720" providerId="ADAL" clId="{F4891E39-2D7D-4D49-A1D5-1DCAA5CE2DEA}" dt="2025-04-27T08:50:47.525" v="967" actId="26606"/>
-          <ac:spMkLst>
-            <pc:docMk/>
-            <pc:sldMk cId="0" sldId="264"/>
-            <ac:spMk id="2" creationId="{00000000-0000-0000-0000-000000000000}"/>
-          </ac:spMkLst>
-        </pc:spChg>
-        <pc:spChg chg="add del">
-          <ac:chgData name="Kumar, Pronob" userId="d02b49e2-ad8b-46c0-979e-129feda16720" providerId="ADAL" clId="{F4891E39-2D7D-4D49-A1D5-1DCAA5CE2DEA}" dt="2025-04-27T08:40:03.612" v="875" actId="26606"/>
-          <ac:spMkLst>
-            <pc:docMk/>
-            <pc:sldMk cId="0" sldId="264"/>
-            <ac:spMk id="3" creationId="{00000000-0000-0000-0000-000000000000}"/>
-          </ac:spMkLst>
-        </pc:spChg>
-        <pc:spChg chg="add del">
-          <ac:chgData name="Kumar, Pronob" userId="d02b49e2-ad8b-46c0-979e-129feda16720" providerId="ADAL" clId="{F4891E39-2D7D-4D49-A1D5-1DCAA5CE2DEA}" dt="2025-04-27T08:40:32.243" v="876" actId="26606"/>
-          <ac:spMkLst>
-            <pc:docMk/>
-            <pc:sldMk cId="0" sldId="264"/>
-            <ac:spMk id="6" creationId="{2E442304-DDBD-4F7B-8017-36BCC863FB40}"/>
-          </ac:spMkLst>
-        </pc:spChg>
-        <pc:spChg chg="add del">
-          <ac:chgData name="Kumar, Pronob" userId="d02b49e2-ad8b-46c0-979e-129feda16720" providerId="ADAL" clId="{F4891E39-2D7D-4D49-A1D5-1DCAA5CE2DEA}" dt="2025-04-27T08:40:32.243" v="876" actId="26606"/>
-          <ac:spMkLst>
-            <pc:docMk/>
-            <pc:sldMk cId="0" sldId="264"/>
-            <ac:spMk id="7" creationId="{5E107275-3853-46FD-A241-DE4355A42675}"/>
-          </ac:spMkLst>
-        </pc:spChg>
-        <pc:spChg chg="add del">
-          <ac:chgData name="Kumar, Pronob" userId="d02b49e2-ad8b-46c0-979e-129feda16720" providerId="ADAL" clId="{F4891E39-2D7D-4D49-A1D5-1DCAA5CE2DEA}" dt="2025-04-27T06:16:45.988" v="713" actId="26606"/>
-          <ac:spMkLst>
-            <pc:docMk/>
-            <pc:sldMk cId="0" sldId="264"/>
-            <ac:spMk id="9" creationId="{2659FDB4-FCBE-4A89-B46D-43D4FA54464D}"/>
-          </ac:spMkLst>
-        </pc:spChg>
-        <pc:spChg chg="add del">
-          <ac:chgData name="Kumar, Pronob" userId="d02b49e2-ad8b-46c0-979e-129feda16720" providerId="ADAL" clId="{F4891E39-2D7D-4D49-A1D5-1DCAA5CE2DEA}" dt="2025-04-27T08:50:47.525" v="967" actId="26606"/>
-          <ac:spMkLst>
-            <pc:docMk/>
-            <pc:sldMk cId="0" sldId="264"/>
-            <ac:spMk id="10" creationId="{81E1224E-6618-482E-BE87-321A7FC1CDE8}"/>
-          </ac:spMkLst>
-        </pc:spChg>
-        <pc:spChg chg="add del">
-          <ac:chgData name="Kumar, Pronob" userId="d02b49e2-ad8b-46c0-979e-129feda16720" providerId="ADAL" clId="{F4891E39-2D7D-4D49-A1D5-1DCAA5CE2DEA}" dt="2025-04-27T08:50:47.525" v="967" actId="26606"/>
-          <ac:spMkLst>
-            <pc:docMk/>
-            <pc:sldMk cId="0" sldId="264"/>
-            <ac:spMk id="12" creationId="{066346BE-FDB4-4772-A696-0719490ABD64}"/>
-          </ac:spMkLst>
-        </pc:spChg>
-        <pc:spChg chg="add del">
-          <ac:chgData name="Kumar, Pronob" userId="d02b49e2-ad8b-46c0-979e-129feda16720" providerId="ADAL" clId="{F4891E39-2D7D-4D49-A1D5-1DCAA5CE2DEA}" dt="2025-04-27T08:34:07.976" v="843" actId="26606"/>
-          <ac:spMkLst>
-            <pc:docMk/>
-            <pc:sldMk cId="0" sldId="264"/>
-            <ac:spMk id="13" creationId="{2E442304-DDBD-4F7B-8017-36BCC863FB40}"/>
-          </ac:spMkLst>
-        </pc:spChg>
-        <pc:spChg chg="add del">
-          <ac:chgData name="Kumar, Pronob" userId="d02b49e2-ad8b-46c0-979e-129feda16720" providerId="ADAL" clId="{F4891E39-2D7D-4D49-A1D5-1DCAA5CE2DEA}" dt="2025-04-27T08:34:07.976" v="843" actId="26606"/>
-          <ac:spMkLst>
-            <pc:docMk/>
-            <pc:sldMk cId="0" sldId="264"/>
-            <ac:spMk id="14" creationId="{5E107275-3853-46FD-A241-DE4355A42675}"/>
-          </ac:spMkLst>
-        </pc:spChg>
-        <pc:spChg chg="add del">
-          <ac:chgData name="Kumar, Pronob" userId="d02b49e2-ad8b-46c0-979e-129feda16720" providerId="ADAL" clId="{F4891E39-2D7D-4D49-A1D5-1DCAA5CE2DEA}" dt="2025-04-27T08:50:47.525" v="967" actId="26606"/>
-          <ac:spMkLst>
-            <pc:docMk/>
-            <pc:sldMk cId="0" sldId="264"/>
-            <ac:spMk id="17" creationId="{FB92FFCE-0C90-454E-AA25-D4EE9A6C39C5}"/>
-          </ac:spMkLst>
-        </pc:spChg>
-        <pc:spChg chg="add">
-          <ac:chgData name="Kumar, Pronob" userId="d02b49e2-ad8b-46c0-979e-129feda16720" providerId="ADAL" clId="{F4891E39-2D7D-4D49-A1D5-1DCAA5CE2DEA}" dt="2025-04-27T08:34:07.976" v="843" actId="26606"/>
-          <ac:spMkLst>
-            <pc:docMk/>
-            <pc:sldMk cId="0" sldId="264"/>
-            <ac:spMk id="20" creationId="{DCC231C8-C761-4B31-9B1C-C6D19248C6B3}"/>
-          </ac:spMkLst>
-        </pc:spChg>
-        <pc:spChg chg="add del">
-          <ac:chgData name="Kumar, Pronob" userId="d02b49e2-ad8b-46c0-979e-129feda16720" providerId="ADAL" clId="{F4891E39-2D7D-4D49-A1D5-1DCAA5CE2DEA}" dt="2025-04-27T08:50:47.525" v="967" actId="26606"/>
-          <ac:spMkLst>
-            <pc:docMk/>
-            <pc:sldMk cId="0" sldId="264"/>
-            <ac:spMk id="22" creationId="{A0E2F8DF-F7E4-4DF5-A18A-C83F745FF7D1}"/>
-          </ac:spMkLst>
-        </pc:spChg>
-        <pc:graphicFrameChg chg="add del">
-          <ac:chgData name="Kumar, Pronob" userId="d02b49e2-ad8b-46c0-979e-129feda16720" providerId="ADAL" clId="{F4891E39-2D7D-4D49-A1D5-1DCAA5CE2DEA}" dt="2025-04-27T06:16:45.988" v="713" actId="26606"/>
-          <ac:graphicFrameMkLst>
-            <pc:docMk/>
-            <pc:sldMk cId="0" sldId="264"/>
-            <ac:graphicFrameMk id="5" creationId="{35703582-7C27-039B-DA74-DCC244DE5806}"/>
-          </ac:graphicFrameMkLst>
-        </pc:graphicFrameChg>
-        <pc:graphicFrameChg chg="add mod modGraphic">
-          <ac:chgData name="Kumar, Pronob" userId="d02b49e2-ad8b-46c0-979e-129feda16720" providerId="ADAL" clId="{F4891E39-2D7D-4D49-A1D5-1DCAA5CE2DEA}" dt="2025-04-27T09:01:17.870" v="1019" actId="20577"/>
-          <ac:graphicFrameMkLst>
-            <pc:docMk/>
-            <pc:sldMk cId="0" sldId="264"/>
-            <ac:graphicFrameMk id="8" creationId="{4079A051-26E8-25D4-385C-9E23BFD120D5}"/>
-          </ac:graphicFrameMkLst>
-        </pc:graphicFrameChg>
-        <pc:graphicFrameChg chg="add del mod modGraphic">
-          <ac:chgData name="Kumar, Pronob" userId="d02b49e2-ad8b-46c0-979e-129feda16720" providerId="ADAL" clId="{F4891E39-2D7D-4D49-A1D5-1DCAA5CE2DEA}" dt="2025-04-27T08:34:28.678" v="846"/>
-          <ac:graphicFrameMkLst>
-            <pc:docMk/>
-            <pc:sldMk cId="0" sldId="264"/>
-            <ac:graphicFrameMk id="15" creationId="{8BCE238F-9C21-E600-4C5E-C286BCB7CD28}"/>
-          </ac:graphicFrameMkLst>
-        </pc:graphicFrameChg>
-        <pc:cxnChg chg="add del">
-          <ac:chgData name="Kumar, Pronob" userId="d02b49e2-ad8b-46c0-979e-129feda16720" providerId="ADAL" clId="{F4891E39-2D7D-4D49-A1D5-1DCAA5CE2DEA}" dt="2025-04-27T06:16:45.988" v="713" actId="26606"/>
-          <ac:cxnSpMkLst>
-            <pc:docMk/>
-            <pc:sldMk cId="0" sldId="264"/>
-            <ac:cxnSpMk id="11" creationId="{C8F51B3F-8331-4E4A-AE96-D47B1006EEAD}"/>
-          </ac:cxnSpMkLst>
-        </pc:cxnChg>
       </pc:sldChg>
       <pc:sldChg chg="addSp delSp modSp add del mod ord setBg">
         <pc:chgData name="Kumar, Pronob" userId="d02b49e2-ad8b-46c0-979e-129feda16720" providerId="ADAL" clId="{F4891E39-2D7D-4D49-A1D5-1DCAA5CE2DEA}" dt="2025-04-27T08:39:21.522" v="867" actId="47"/>
@@ -569,86 +231,6 @@
           <pc:docMk/>
           <pc:sldMk cId="0" sldId="265"/>
         </pc:sldMkLst>
-        <pc:spChg chg="mod">
-          <ac:chgData name="Kumar, Pronob" userId="d02b49e2-ad8b-46c0-979e-129feda16720" providerId="ADAL" clId="{F4891E39-2D7D-4D49-A1D5-1DCAA5CE2DEA}" dt="2025-04-27T08:35:39.610" v="860" actId="26606"/>
-          <ac:spMkLst>
-            <pc:docMk/>
-            <pc:sldMk cId="0" sldId="265"/>
-            <ac:spMk id="2" creationId="{00000000-0000-0000-0000-000000000000}"/>
-          </ac:spMkLst>
-        </pc:spChg>
-        <pc:spChg chg="del">
-          <ac:chgData name="Kumar, Pronob" userId="d02b49e2-ad8b-46c0-979e-129feda16720" providerId="ADAL" clId="{F4891E39-2D7D-4D49-A1D5-1DCAA5CE2DEA}" dt="2025-04-27T06:25:36.155" v="761" actId="26606"/>
-          <ac:spMkLst>
-            <pc:docMk/>
-            <pc:sldMk cId="0" sldId="265"/>
-            <ac:spMk id="3" creationId="{00000000-0000-0000-0000-000000000000}"/>
-          </ac:spMkLst>
-        </pc:spChg>
-        <pc:spChg chg="add del mod">
-          <ac:chgData name="Kumar, Pronob" userId="d02b49e2-ad8b-46c0-979e-129feda16720" providerId="ADAL" clId="{F4891E39-2D7D-4D49-A1D5-1DCAA5CE2DEA}" dt="2025-04-27T06:26:49.054" v="764" actId="478"/>
-          <ac:spMkLst>
-            <pc:docMk/>
-            <pc:sldMk cId="0" sldId="265"/>
-            <ac:spMk id="6" creationId="{01B1E168-B2B7-8909-6834-97FC5BDB7ABC}"/>
-          </ac:spMkLst>
-        </pc:spChg>
-        <pc:spChg chg="add del">
-          <ac:chgData name="Kumar, Pronob" userId="d02b49e2-ad8b-46c0-979e-129feda16720" providerId="ADAL" clId="{F4891E39-2D7D-4D49-A1D5-1DCAA5CE2DEA}" dt="2025-04-27T08:35:39.610" v="860" actId="26606"/>
-          <ac:spMkLst>
-            <pc:docMk/>
-            <pc:sldMk cId="0" sldId="265"/>
-            <ac:spMk id="9" creationId="{2E442304-DDBD-4F7B-8017-36BCC863FB40}"/>
-          </ac:spMkLst>
-        </pc:spChg>
-        <pc:spChg chg="add del">
-          <ac:chgData name="Kumar, Pronob" userId="d02b49e2-ad8b-46c0-979e-129feda16720" providerId="ADAL" clId="{F4891E39-2D7D-4D49-A1D5-1DCAA5CE2DEA}" dt="2025-04-27T08:35:39.610" v="860" actId="26606"/>
-          <ac:spMkLst>
-            <pc:docMk/>
-            <pc:sldMk cId="0" sldId="265"/>
-            <ac:spMk id="11" creationId="{5E107275-3853-46FD-A241-DE4355A42675}"/>
-          </ac:spMkLst>
-        </pc:spChg>
-        <pc:spChg chg="add del">
-          <ac:chgData name="Kumar, Pronob" userId="d02b49e2-ad8b-46c0-979e-129feda16720" providerId="ADAL" clId="{F4891E39-2D7D-4D49-A1D5-1DCAA5CE2DEA}" dt="2025-04-27T08:35:27.668" v="858" actId="26606"/>
-          <ac:spMkLst>
-            <pc:docMk/>
-            <pc:sldMk cId="0" sldId="265"/>
-            <ac:spMk id="13" creationId="{2659FDB4-FCBE-4A89-B46D-43D4FA54464D}"/>
-          </ac:spMkLst>
-        </pc:spChg>
-        <pc:spChg chg="add del">
-          <ac:chgData name="Kumar, Pronob" userId="d02b49e2-ad8b-46c0-979e-129feda16720" providerId="ADAL" clId="{F4891E39-2D7D-4D49-A1D5-1DCAA5CE2DEA}" dt="2025-04-27T08:35:39.610" v="860" actId="26606"/>
-          <ac:spMkLst>
-            <pc:docMk/>
-            <pc:sldMk cId="0" sldId="265"/>
-            <ac:spMk id="14" creationId="{DCC231C8-C761-4B31-9B1C-C6D19248C6B3}"/>
-          </ac:spMkLst>
-        </pc:spChg>
-        <pc:spChg chg="add del">
-          <ac:chgData name="Kumar, Pronob" userId="d02b49e2-ad8b-46c0-979e-129feda16720" providerId="ADAL" clId="{F4891E39-2D7D-4D49-A1D5-1DCAA5CE2DEA}" dt="2025-04-27T08:35:00.469" v="849" actId="26606"/>
-          <ac:spMkLst>
-            <pc:docMk/>
-            <pc:sldMk cId="0" sldId="265"/>
-            <ac:spMk id="16" creationId="{DCC231C8-C761-4B31-9B1C-C6D19248C6B3}"/>
-          </ac:spMkLst>
-        </pc:spChg>
-        <pc:graphicFrameChg chg="add del mod modGraphic">
-          <ac:chgData name="Kumar, Pronob" userId="d02b49e2-ad8b-46c0-979e-129feda16720" providerId="ADAL" clId="{F4891E39-2D7D-4D49-A1D5-1DCAA5CE2DEA}" dt="2025-04-27T08:35:39.610" v="860" actId="26606"/>
-          <ac:graphicFrameMkLst>
-            <pc:docMk/>
-            <pc:sldMk cId="0" sldId="265"/>
-            <ac:graphicFrameMk id="5" creationId="{D03659F9-8B9C-FB5C-935C-1909C9E32FBF}"/>
-          </ac:graphicFrameMkLst>
-        </pc:graphicFrameChg>
-        <pc:cxnChg chg="add del">
-          <ac:chgData name="Kumar, Pronob" userId="d02b49e2-ad8b-46c0-979e-129feda16720" providerId="ADAL" clId="{F4891E39-2D7D-4D49-A1D5-1DCAA5CE2DEA}" dt="2025-04-27T08:35:27.668" v="858" actId="26606"/>
-          <ac:cxnSpMkLst>
-            <pc:docMk/>
-            <pc:sldMk cId="0" sldId="265"/>
-            <ac:cxnSpMk id="18" creationId="{C8F51B3F-8331-4E4A-AE96-D47B1006EEAD}"/>
-          </ac:cxnSpMkLst>
-        </pc:cxnChg>
       </pc:sldChg>
       <pc:sldChg chg="addSp delSp modSp add mod ord setBg">
         <pc:chgData name="Kumar, Pronob" userId="d02b49e2-ad8b-46c0-979e-129feda16720" providerId="ADAL" clId="{F4891E39-2D7D-4D49-A1D5-1DCAA5CE2DEA}" dt="2025-04-27T08:46:15.849" v="945" actId="14100"/>
@@ -656,94 +238,6 @@
           <pc:docMk/>
           <pc:sldMk cId="1683773600" sldId="265"/>
         </pc:sldMkLst>
-        <pc:spChg chg="add del mod">
-          <ac:chgData name="Kumar, Pronob" userId="d02b49e2-ad8b-46c0-979e-129feda16720" providerId="ADAL" clId="{F4891E39-2D7D-4D49-A1D5-1DCAA5CE2DEA}" dt="2025-04-27T08:45:17.383" v="885"/>
-          <ac:spMkLst>
-            <pc:docMk/>
-            <pc:sldMk cId="1683773600" sldId="265"/>
-            <ac:spMk id="4" creationId="{72F4BB9E-E9B8-6BEA-326A-34025AD1F6A8}"/>
-          </ac:spMkLst>
-        </pc:spChg>
-        <pc:spChg chg="add del mod">
-          <ac:chgData name="Kumar, Pronob" userId="d02b49e2-ad8b-46c0-979e-129feda16720" providerId="ADAL" clId="{F4891E39-2D7D-4D49-A1D5-1DCAA5CE2DEA}" dt="2025-04-27T08:45:24.154" v="888"/>
-          <ac:spMkLst>
-            <pc:docMk/>
-            <pc:sldMk cId="1683773600" sldId="265"/>
-            <ac:spMk id="7" creationId="{7032BEE9-C71A-8E00-D73A-DCDC32ECCBC5}"/>
-          </ac:spMkLst>
-        </pc:spChg>
-        <pc:spChg chg="add mod">
-          <ac:chgData name="Kumar, Pronob" userId="d02b49e2-ad8b-46c0-979e-129feda16720" providerId="ADAL" clId="{F4891E39-2D7D-4D49-A1D5-1DCAA5CE2DEA}" dt="2025-04-27T08:46:04.522" v="943" actId="26606"/>
-          <ac:spMkLst>
-            <pc:docMk/>
-            <pc:sldMk cId="1683773600" sldId="265"/>
-            <ac:spMk id="8" creationId="{42FB63AA-5D62-0A6A-C363-13E9BB4264C4}"/>
-          </ac:spMkLst>
-        </pc:spChg>
-        <pc:spChg chg="add del">
-          <ac:chgData name="Kumar, Pronob" userId="d02b49e2-ad8b-46c0-979e-129feda16720" providerId="ADAL" clId="{F4891E39-2D7D-4D49-A1D5-1DCAA5CE2DEA}" dt="2025-04-27T08:46:02.472" v="940" actId="26606"/>
-          <ac:spMkLst>
-            <pc:docMk/>
-            <pc:sldMk cId="1683773600" sldId="265"/>
-            <ac:spMk id="13" creationId="{BCED4D40-4B67-4331-AC48-79B82B4A47D8}"/>
-          </ac:spMkLst>
-        </pc:spChg>
-        <pc:spChg chg="add del">
-          <ac:chgData name="Kumar, Pronob" userId="d02b49e2-ad8b-46c0-979e-129feda16720" providerId="ADAL" clId="{F4891E39-2D7D-4D49-A1D5-1DCAA5CE2DEA}" dt="2025-04-27T08:46:02.472" v="940" actId="26606"/>
-          <ac:spMkLst>
-            <pc:docMk/>
-            <pc:sldMk cId="1683773600" sldId="265"/>
-            <ac:spMk id="15" creationId="{670CEDEF-4F34-412E-84EE-329C1E936AF5}"/>
-          </ac:spMkLst>
-        </pc:spChg>
-        <pc:spChg chg="add del">
-          <ac:chgData name="Kumar, Pronob" userId="d02b49e2-ad8b-46c0-979e-129feda16720" providerId="ADAL" clId="{F4891E39-2D7D-4D49-A1D5-1DCAA5CE2DEA}" dt="2025-04-27T08:46:04.506" v="942" actId="26606"/>
-          <ac:spMkLst>
-            <pc:docMk/>
-            <pc:sldMk cId="1683773600" sldId="265"/>
-            <ac:spMk id="17" creationId="{C59AB4C8-9178-4F7A-8404-6890510B5917}"/>
-          </ac:spMkLst>
-        </pc:spChg>
-        <pc:spChg chg="add del">
-          <ac:chgData name="Kumar, Pronob" userId="d02b49e2-ad8b-46c0-979e-129feda16720" providerId="ADAL" clId="{F4891E39-2D7D-4D49-A1D5-1DCAA5CE2DEA}" dt="2025-04-27T08:46:04.506" v="942" actId="26606"/>
-          <ac:spMkLst>
-            <pc:docMk/>
-            <pc:sldMk cId="1683773600" sldId="265"/>
-            <ac:spMk id="18" creationId="{4CFDFB37-4BC7-42C6-915D-A6609139BFE7}"/>
-          </ac:spMkLst>
-        </pc:spChg>
-        <pc:spChg chg="add">
-          <ac:chgData name="Kumar, Pronob" userId="d02b49e2-ad8b-46c0-979e-129feda16720" providerId="ADAL" clId="{F4891E39-2D7D-4D49-A1D5-1DCAA5CE2DEA}" dt="2025-04-27T08:46:04.522" v="943" actId="26606"/>
-          <ac:spMkLst>
-            <pc:docMk/>
-            <pc:sldMk cId="1683773600" sldId="265"/>
-            <ac:spMk id="20" creationId="{BCED4D40-4B67-4331-AC48-79B82B4A47D8}"/>
-          </ac:spMkLst>
-        </pc:spChg>
-        <pc:spChg chg="add">
-          <ac:chgData name="Kumar, Pronob" userId="d02b49e2-ad8b-46c0-979e-129feda16720" providerId="ADAL" clId="{F4891E39-2D7D-4D49-A1D5-1DCAA5CE2DEA}" dt="2025-04-27T08:46:04.522" v="943" actId="26606"/>
-          <ac:spMkLst>
-            <pc:docMk/>
-            <pc:sldMk cId="1683773600" sldId="265"/>
-            <ac:spMk id="21" creationId="{670CEDEF-4F34-412E-84EE-329C1E936AF5}"/>
-          </ac:spMkLst>
-        </pc:spChg>
-        <pc:picChg chg="add mod ord">
-          <ac:chgData name="Kumar, Pronob" userId="d02b49e2-ad8b-46c0-979e-129feda16720" providerId="ADAL" clId="{F4891E39-2D7D-4D49-A1D5-1DCAA5CE2DEA}" dt="2025-04-27T08:46:15.849" v="945" actId="14100"/>
-          <ac:picMkLst>
-            <pc:docMk/>
-            <pc:sldMk cId="1683773600" sldId="265"/>
-            <ac:picMk id="3" creationId="{B8344A00-731B-2E4E-B50A-D9FA248B9395}"/>
-          </ac:picMkLst>
-        </pc:picChg>
-        <pc:picChg chg="add del">
-          <ac:chgData name="Kumar, Pronob" userId="d02b49e2-ad8b-46c0-979e-129feda16720" providerId="ADAL" clId="{F4891E39-2D7D-4D49-A1D5-1DCAA5CE2DEA}" dt="2025-04-27T08:45:26.309" v="889" actId="478"/>
-          <ac:picMkLst>
-            <pc:docMk/>
-            <pc:sldMk cId="1683773600" sldId="265"/>
-            <ac:picMk id="6" creationId="{EBF5664C-1784-C850-98CA-5DE6DF68ED67}"/>
-          </ac:picMkLst>
-        </pc:picChg>
       </pc:sldChg>
       <pc:sldChg chg="addSp delSp add del setBg delDesignElem">
         <pc:chgData name="Kumar, Pronob" userId="d02b49e2-ad8b-46c0-979e-129feda16720" providerId="ADAL" clId="{F4891E39-2D7D-4D49-A1D5-1DCAA5CE2DEA}" dt="2025-04-27T08:36:40.023" v="865"/>
@@ -751,14 +245,6 @@
           <pc:docMk/>
           <pc:sldMk cId="810285451" sldId="266"/>
         </pc:sldMkLst>
-        <pc:spChg chg="add del">
-          <ac:chgData name="Kumar, Pronob" userId="d02b49e2-ad8b-46c0-979e-129feda16720" providerId="ADAL" clId="{F4891E39-2D7D-4D49-A1D5-1DCAA5CE2DEA}" dt="2025-04-27T08:36:40.023" v="865"/>
-          <ac:spMkLst>
-            <pc:docMk/>
-            <pc:sldMk cId="810285451" sldId="266"/>
-            <ac:spMk id="20" creationId="{CCAEB53B-DD67-76B1-BA20-08D88CED9724}"/>
-          </ac:spMkLst>
-        </pc:spChg>
       </pc:sldChg>
       <pc:sldChg chg="addSp modSp add mod ord setBg">
         <pc:chgData name="Kumar, Pronob" userId="d02b49e2-ad8b-46c0-979e-129feda16720" providerId="ADAL" clId="{F4891E39-2D7D-4D49-A1D5-1DCAA5CE2DEA}" dt="2025-04-27T08:49:39.525" v="959" actId="26606"/>
@@ -766,46 +252,6 @@
           <pc:docMk/>
           <pc:sldMk cId="1564398423" sldId="266"/>
         </pc:sldMkLst>
-        <pc:spChg chg="add">
-          <ac:chgData name="Kumar, Pronob" userId="d02b49e2-ad8b-46c0-979e-129feda16720" providerId="ADAL" clId="{F4891E39-2D7D-4D49-A1D5-1DCAA5CE2DEA}" dt="2025-04-27T08:49:39.525" v="959" actId="26606"/>
-          <ac:spMkLst>
-            <pc:docMk/>
-            <pc:sldMk cId="1564398423" sldId="266"/>
-            <ac:spMk id="8" creationId="{AB8C311F-7253-4AED-9701-7FC0708C41C7}"/>
-          </ac:spMkLst>
-        </pc:spChg>
-        <pc:spChg chg="add">
-          <ac:chgData name="Kumar, Pronob" userId="d02b49e2-ad8b-46c0-979e-129feda16720" providerId="ADAL" clId="{F4891E39-2D7D-4D49-A1D5-1DCAA5CE2DEA}" dt="2025-04-27T08:49:39.525" v="959" actId="26606"/>
-          <ac:spMkLst>
-            <pc:docMk/>
-            <pc:sldMk cId="1564398423" sldId="266"/>
-            <ac:spMk id="10" creationId="{E2384209-CB15-4CDF-9D31-C44FD9A3F20D}"/>
-          </ac:spMkLst>
-        </pc:spChg>
-        <pc:spChg chg="add">
-          <ac:chgData name="Kumar, Pronob" userId="d02b49e2-ad8b-46c0-979e-129feda16720" providerId="ADAL" clId="{F4891E39-2D7D-4D49-A1D5-1DCAA5CE2DEA}" dt="2025-04-27T08:49:39.525" v="959" actId="26606"/>
-          <ac:spMkLst>
-            <pc:docMk/>
-            <pc:sldMk cId="1564398423" sldId="266"/>
-            <ac:spMk id="12" creationId="{2633B3B5-CC90-43F0-8714-D31D1F3F0209}"/>
-          </ac:spMkLst>
-        </pc:spChg>
-        <pc:spChg chg="add">
-          <ac:chgData name="Kumar, Pronob" userId="d02b49e2-ad8b-46c0-979e-129feda16720" providerId="ADAL" clId="{F4891E39-2D7D-4D49-A1D5-1DCAA5CE2DEA}" dt="2025-04-27T08:49:39.525" v="959" actId="26606"/>
-          <ac:spMkLst>
-            <pc:docMk/>
-            <pc:sldMk cId="1564398423" sldId="266"/>
-            <ac:spMk id="14" creationId="{A8D57A06-A426-446D-B02C-A2DC6B62E45E}"/>
-          </ac:spMkLst>
-        </pc:spChg>
-        <pc:picChg chg="add mod">
-          <ac:chgData name="Kumar, Pronob" userId="d02b49e2-ad8b-46c0-979e-129feda16720" providerId="ADAL" clId="{F4891E39-2D7D-4D49-A1D5-1DCAA5CE2DEA}" dt="2025-04-27T08:49:39.525" v="959" actId="26606"/>
-          <ac:picMkLst>
-            <pc:docMk/>
-            <pc:sldMk cId="1564398423" sldId="266"/>
-            <ac:picMk id="3" creationId="{45B8871C-ED69-C355-7C40-5BE620A8DA0C}"/>
-          </ac:picMkLst>
-        </pc:picChg>
       </pc:sldChg>
       <pc:sldChg chg="addSp modSp add del mod setBg">
         <pc:chgData name="Kumar, Pronob" userId="d02b49e2-ad8b-46c0-979e-129feda16720" providerId="ADAL" clId="{F4891E39-2D7D-4D49-A1D5-1DCAA5CE2DEA}" dt="2025-04-27T08:53:12.865" v="979" actId="47"/>
@@ -813,46 +259,6 @@
           <pc:docMk/>
           <pc:sldMk cId="2442011490" sldId="267"/>
         </pc:sldMkLst>
-        <pc:spChg chg="add">
-          <ac:chgData name="Kumar, Pronob" userId="d02b49e2-ad8b-46c0-979e-129feda16720" providerId="ADAL" clId="{F4891E39-2D7D-4D49-A1D5-1DCAA5CE2DEA}" dt="2025-04-27T08:51:47.807" v="969" actId="26606"/>
-          <ac:spMkLst>
-            <pc:docMk/>
-            <pc:sldMk cId="2442011490" sldId="267"/>
-            <ac:spMk id="8" creationId="{AB8C311F-7253-4AED-9701-7FC0708C41C7}"/>
-          </ac:spMkLst>
-        </pc:spChg>
-        <pc:spChg chg="add">
-          <ac:chgData name="Kumar, Pronob" userId="d02b49e2-ad8b-46c0-979e-129feda16720" providerId="ADAL" clId="{F4891E39-2D7D-4D49-A1D5-1DCAA5CE2DEA}" dt="2025-04-27T08:51:47.807" v="969" actId="26606"/>
-          <ac:spMkLst>
-            <pc:docMk/>
-            <pc:sldMk cId="2442011490" sldId="267"/>
-            <ac:spMk id="10" creationId="{E2384209-CB15-4CDF-9D31-C44FD9A3F20D}"/>
-          </ac:spMkLst>
-        </pc:spChg>
-        <pc:spChg chg="add">
-          <ac:chgData name="Kumar, Pronob" userId="d02b49e2-ad8b-46c0-979e-129feda16720" providerId="ADAL" clId="{F4891E39-2D7D-4D49-A1D5-1DCAA5CE2DEA}" dt="2025-04-27T08:51:47.807" v="969" actId="26606"/>
-          <ac:spMkLst>
-            <pc:docMk/>
-            <pc:sldMk cId="2442011490" sldId="267"/>
-            <ac:spMk id="12" creationId="{2633B3B5-CC90-43F0-8714-D31D1F3F0209}"/>
-          </ac:spMkLst>
-        </pc:spChg>
-        <pc:spChg chg="add">
-          <ac:chgData name="Kumar, Pronob" userId="d02b49e2-ad8b-46c0-979e-129feda16720" providerId="ADAL" clId="{F4891E39-2D7D-4D49-A1D5-1DCAA5CE2DEA}" dt="2025-04-27T08:51:47.807" v="969" actId="26606"/>
-          <ac:spMkLst>
-            <pc:docMk/>
-            <pc:sldMk cId="2442011490" sldId="267"/>
-            <ac:spMk id="14" creationId="{A8D57A06-A426-446D-B02C-A2DC6B62E45E}"/>
-          </ac:spMkLst>
-        </pc:spChg>
-        <pc:picChg chg="add mod">
-          <ac:chgData name="Kumar, Pronob" userId="d02b49e2-ad8b-46c0-979e-129feda16720" providerId="ADAL" clId="{F4891E39-2D7D-4D49-A1D5-1DCAA5CE2DEA}" dt="2025-04-27T08:51:57.233" v="971" actId="14100"/>
-          <ac:picMkLst>
-            <pc:docMk/>
-            <pc:sldMk cId="2442011490" sldId="267"/>
-            <ac:picMk id="3" creationId="{821EDE0F-87C1-C12D-EC26-D1F4EA0C32A6}"/>
-          </ac:picMkLst>
-        </pc:picChg>
       </pc:sldChg>
       <pc:sldChg chg="addSp modSp add mod ord setBg">
         <pc:chgData name="Kumar, Pronob" userId="d02b49e2-ad8b-46c0-979e-129feda16720" providerId="ADAL" clId="{F4891E39-2D7D-4D49-A1D5-1DCAA5CE2DEA}" dt="2025-04-27T08:50:19.620" v="965" actId="14100"/>
@@ -860,46 +266,6 @@
           <pc:docMk/>
           <pc:sldMk cId="586826980" sldId="268"/>
         </pc:sldMkLst>
-        <pc:spChg chg="add">
-          <ac:chgData name="Kumar, Pronob" userId="d02b49e2-ad8b-46c0-979e-129feda16720" providerId="ADAL" clId="{F4891E39-2D7D-4D49-A1D5-1DCAA5CE2DEA}" dt="2025-04-27T08:50:12.382" v="963" actId="26606"/>
-          <ac:spMkLst>
-            <pc:docMk/>
-            <pc:sldMk cId="586826980" sldId="268"/>
-            <ac:spMk id="8" creationId="{AB8C311F-7253-4AED-9701-7FC0708C41C7}"/>
-          </ac:spMkLst>
-        </pc:spChg>
-        <pc:spChg chg="add">
-          <ac:chgData name="Kumar, Pronob" userId="d02b49e2-ad8b-46c0-979e-129feda16720" providerId="ADAL" clId="{F4891E39-2D7D-4D49-A1D5-1DCAA5CE2DEA}" dt="2025-04-27T08:50:12.382" v="963" actId="26606"/>
-          <ac:spMkLst>
-            <pc:docMk/>
-            <pc:sldMk cId="586826980" sldId="268"/>
-            <ac:spMk id="10" creationId="{E2384209-CB15-4CDF-9D31-C44FD9A3F20D}"/>
-          </ac:spMkLst>
-        </pc:spChg>
-        <pc:spChg chg="add">
-          <ac:chgData name="Kumar, Pronob" userId="d02b49e2-ad8b-46c0-979e-129feda16720" providerId="ADAL" clId="{F4891E39-2D7D-4D49-A1D5-1DCAA5CE2DEA}" dt="2025-04-27T08:50:12.382" v="963" actId="26606"/>
-          <ac:spMkLst>
-            <pc:docMk/>
-            <pc:sldMk cId="586826980" sldId="268"/>
-            <ac:spMk id="12" creationId="{2633B3B5-CC90-43F0-8714-D31D1F3F0209}"/>
-          </ac:spMkLst>
-        </pc:spChg>
-        <pc:spChg chg="add">
-          <ac:chgData name="Kumar, Pronob" userId="d02b49e2-ad8b-46c0-979e-129feda16720" providerId="ADAL" clId="{F4891E39-2D7D-4D49-A1D5-1DCAA5CE2DEA}" dt="2025-04-27T08:50:12.382" v="963" actId="26606"/>
-          <ac:spMkLst>
-            <pc:docMk/>
-            <pc:sldMk cId="586826980" sldId="268"/>
-            <ac:spMk id="14" creationId="{A8D57A06-A426-446D-B02C-A2DC6B62E45E}"/>
-          </ac:spMkLst>
-        </pc:spChg>
-        <pc:picChg chg="add mod">
-          <ac:chgData name="Kumar, Pronob" userId="d02b49e2-ad8b-46c0-979e-129feda16720" providerId="ADAL" clId="{F4891E39-2D7D-4D49-A1D5-1DCAA5CE2DEA}" dt="2025-04-27T08:50:19.620" v="965" actId="14100"/>
-          <ac:picMkLst>
-            <pc:docMk/>
-            <pc:sldMk cId="586826980" sldId="268"/>
-            <ac:picMk id="3" creationId="{57D6CC42-6EE4-42AF-DBC8-452A76BFCF8B}"/>
-          </ac:picMkLst>
-        </pc:picChg>
       </pc:sldChg>
       <pc:sldChg chg="addSp modSp add mod setBg">
         <pc:chgData name="Kumar, Pronob" userId="d02b49e2-ad8b-46c0-979e-129feda16720" providerId="ADAL" clId="{F4891E39-2D7D-4D49-A1D5-1DCAA5CE2DEA}" dt="2025-04-27T08:53:42.303" v="983" actId="14100"/>
@@ -907,46 +273,6 @@
           <pc:docMk/>
           <pc:sldMk cId="917284507" sldId="269"/>
         </pc:sldMkLst>
-        <pc:spChg chg="add">
-          <ac:chgData name="Kumar, Pronob" userId="d02b49e2-ad8b-46c0-979e-129feda16720" providerId="ADAL" clId="{F4891E39-2D7D-4D49-A1D5-1DCAA5CE2DEA}" dt="2025-04-27T08:53:34.064" v="981" actId="26606"/>
-          <ac:spMkLst>
-            <pc:docMk/>
-            <pc:sldMk cId="917284507" sldId="269"/>
-            <ac:spMk id="8" creationId="{AB8C311F-7253-4AED-9701-7FC0708C41C7}"/>
-          </ac:spMkLst>
-        </pc:spChg>
-        <pc:spChg chg="add">
-          <ac:chgData name="Kumar, Pronob" userId="d02b49e2-ad8b-46c0-979e-129feda16720" providerId="ADAL" clId="{F4891E39-2D7D-4D49-A1D5-1DCAA5CE2DEA}" dt="2025-04-27T08:53:34.064" v="981" actId="26606"/>
-          <ac:spMkLst>
-            <pc:docMk/>
-            <pc:sldMk cId="917284507" sldId="269"/>
-            <ac:spMk id="10" creationId="{E2384209-CB15-4CDF-9D31-C44FD9A3F20D}"/>
-          </ac:spMkLst>
-        </pc:spChg>
-        <pc:spChg chg="add">
-          <ac:chgData name="Kumar, Pronob" userId="d02b49e2-ad8b-46c0-979e-129feda16720" providerId="ADAL" clId="{F4891E39-2D7D-4D49-A1D5-1DCAA5CE2DEA}" dt="2025-04-27T08:53:34.064" v="981" actId="26606"/>
-          <ac:spMkLst>
-            <pc:docMk/>
-            <pc:sldMk cId="917284507" sldId="269"/>
-            <ac:spMk id="12" creationId="{2633B3B5-CC90-43F0-8714-D31D1F3F0209}"/>
-          </ac:spMkLst>
-        </pc:spChg>
-        <pc:spChg chg="add">
-          <ac:chgData name="Kumar, Pronob" userId="d02b49e2-ad8b-46c0-979e-129feda16720" providerId="ADAL" clId="{F4891E39-2D7D-4D49-A1D5-1DCAA5CE2DEA}" dt="2025-04-27T08:53:34.064" v="981" actId="26606"/>
-          <ac:spMkLst>
-            <pc:docMk/>
-            <pc:sldMk cId="917284507" sldId="269"/>
-            <ac:spMk id="14" creationId="{A8D57A06-A426-446D-B02C-A2DC6B62E45E}"/>
-          </ac:spMkLst>
-        </pc:spChg>
-        <pc:picChg chg="add mod">
-          <ac:chgData name="Kumar, Pronob" userId="d02b49e2-ad8b-46c0-979e-129feda16720" providerId="ADAL" clId="{F4891E39-2D7D-4D49-A1D5-1DCAA5CE2DEA}" dt="2025-04-27T08:53:42.303" v="983" actId="14100"/>
-          <ac:picMkLst>
-            <pc:docMk/>
-            <pc:sldMk cId="917284507" sldId="269"/>
-            <ac:picMk id="3" creationId="{5E34390A-C31F-72A0-43FE-19CDBF4E77D5}"/>
-          </ac:picMkLst>
-        </pc:picChg>
       </pc:sldChg>
       <pc:sldChg chg="addSp modSp add mod setBg">
         <pc:chgData name="Kumar, Pronob" userId="d02b49e2-ad8b-46c0-979e-129feda16720" providerId="ADAL" clId="{F4891E39-2D7D-4D49-A1D5-1DCAA5CE2DEA}" dt="2025-04-27T08:54:00.180" v="985" actId="26606"/>
@@ -954,46 +280,6 @@
           <pc:docMk/>
           <pc:sldMk cId="3091511232" sldId="270"/>
         </pc:sldMkLst>
-        <pc:spChg chg="add">
-          <ac:chgData name="Kumar, Pronob" userId="d02b49e2-ad8b-46c0-979e-129feda16720" providerId="ADAL" clId="{F4891E39-2D7D-4D49-A1D5-1DCAA5CE2DEA}" dt="2025-04-27T08:54:00.180" v="985" actId="26606"/>
-          <ac:spMkLst>
-            <pc:docMk/>
-            <pc:sldMk cId="3091511232" sldId="270"/>
-            <ac:spMk id="8" creationId="{AB8C311F-7253-4AED-9701-7FC0708C41C7}"/>
-          </ac:spMkLst>
-        </pc:spChg>
-        <pc:spChg chg="add">
-          <ac:chgData name="Kumar, Pronob" userId="d02b49e2-ad8b-46c0-979e-129feda16720" providerId="ADAL" clId="{F4891E39-2D7D-4D49-A1D5-1DCAA5CE2DEA}" dt="2025-04-27T08:54:00.180" v="985" actId="26606"/>
-          <ac:spMkLst>
-            <pc:docMk/>
-            <pc:sldMk cId="3091511232" sldId="270"/>
-            <ac:spMk id="10" creationId="{E2384209-CB15-4CDF-9D31-C44FD9A3F20D}"/>
-          </ac:spMkLst>
-        </pc:spChg>
-        <pc:spChg chg="add">
-          <ac:chgData name="Kumar, Pronob" userId="d02b49e2-ad8b-46c0-979e-129feda16720" providerId="ADAL" clId="{F4891E39-2D7D-4D49-A1D5-1DCAA5CE2DEA}" dt="2025-04-27T08:54:00.180" v="985" actId="26606"/>
-          <ac:spMkLst>
-            <pc:docMk/>
-            <pc:sldMk cId="3091511232" sldId="270"/>
-            <ac:spMk id="12" creationId="{2633B3B5-CC90-43F0-8714-D31D1F3F0209}"/>
-          </ac:spMkLst>
-        </pc:spChg>
-        <pc:spChg chg="add">
-          <ac:chgData name="Kumar, Pronob" userId="d02b49e2-ad8b-46c0-979e-129feda16720" providerId="ADAL" clId="{F4891E39-2D7D-4D49-A1D5-1DCAA5CE2DEA}" dt="2025-04-27T08:54:00.180" v="985" actId="26606"/>
-          <ac:spMkLst>
-            <pc:docMk/>
-            <pc:sldMk cId="3091511232" sldId="270"/>
-            <ac:spMk id="14" creationId="{A8D57A06-A426-446D-B02C-A2DC6B62E45E}"/>
-          </ac:spMkLst>
-        </pc:spChg>
-        <pc:picChg chg="add mod">
-          <ac:chgData name="Kumar, Pronob" userId="d02b49e2-ad8b-46c0-979e-129feda16720" providerId="ADAL" clId="{F4891E39-2D7D-4D49-A1D5-1DCAA5CE2DEA}" dt="2025-04-27T08:54:00.180" v="985" actId="26606"/>
-          <ac:picMkLst>
-            <pc:docMk/>
-            <pc:sldMk cId="3091511232" sldId="270"/>
-            <ac:picMk id="3" creationId="{D9F35D80-C349-EFE0-8AAE-EBFDA0379312}"/>
-          </ac:picMkLst>
-        </pc:picChg>
       </pc:sldChg>
       <pc:sldChg chg="addSp modSp new mod setBg">
         <pc:chgData name="Kumar, Pronob" userId="d02b49e2-ad8b-46c0-979e-129feda16720" providerId="ADAL" clId="{F4891E39-2D7D-4D49-A1D5-1DCAA5CE2DEA}" dt="2025-04-27T08:54:56.083" v="988" actId="26606"/>
@@ -1001,46 +287,6 @@
           <pc:docMk/>
           <pc:sldMk cId="1188926096" sldId="271"/>
         </pc:sldMkLst>
-        <pc:spChg chg="add">
-          <ac:chgData name="Kumar, Pronob" userId="d02b49e2-ad8b-46c0-979e-129feda16720" providerId="ADAL" clId="{F4891E39-2D7D-4D49-A1D5-1DCAA5CE2DEA}" dt="2025-04-27T08:54:56.083" v="988" actId="26606"/>
-          <ac:spMkLst>
-            <pc:docMk/>
-            <pc:sldMk cId="1188926096" sldId="271"/>
-            <ac:spMk id="8" creationId="{AB8C311F-7253-4AED-9701-7FC0708C41C7}"/>
-          </ac:spMkLst>
-        </pc:spChg>
-        <pc:spChg chg="add">
-          <ac:chgData name="Kumar, Pronob" userId="d02b49e2-ad8b-46c0-979e-129feda16720" providerId="ADAL" clId="{F4891E39-2D7D-4D49-A1D5-1DCAA5CE2DEA}" dt="2025-04-27T08:54:56.083" v="988" actId="26606"/>
-          <ac:spMkLst>
-            <pc:docMk/>
-            <pc:sldMk cId="1188926096" sldId="271"/>
-            <ac:spMk id="10" creationId="{E2384209-CB15-4CDF-9D31-C44FD9A3F20D}"/>
-          </ac:spMkLst>
-        </pc:spChg>
-        <pc:spChg chg="add">
-          <ac:chgData name="Kumar, Pronob" userId="d02b49e2-ad8b-46c0-979e-129feda16720" providerId="ADAL" clId="{F4891E39-2D7D-4D49-A1D5-1DCAA5CE2DEA}" dt="2025-04-27T08:54:56.083" v="988" actId="26606"/>
-          <ac:spMkLst>
-            <pc:docMk/>
-            <pc:sldMk cId="1188926096" sldId="271"/>
-            <ac:spMk id="12" creationId="{2633B3B5-CC90-43F0-8714-D31D1F3F0209}"/>
-          </ac:spMkLst>
-        </pc:spChg>
-        <pc:spChg chg="add">
-          <ac:chgData name="Kumar, Pronob" userId="d02b49e2-ad8b-46c0-979e-129feda16720" providerId="ADAL" clId="{F4891E39-2D7D-4D49-A1D5-1DCAA5CE2DEA}" dt="2025-04-27T08:54:56.083" v="988" actId="26606"/>
-          <ac:spMkLst>
-            <pc:docMk/>
-            <pc:sldMk cId="1188926096" sldId="271"/>
-            <ac:spMk id="14" creationId="{A8D57A06-A426-446D-B02C-A2DC6B62E45E}"/>
-          </ac:spMkLst>
-        </pc:spChg>
-        <pc:picChg chg="add mod">
-          <ac:chgData name="Kumar, Pronob" userId="d02b49e2-ad8b-46c0-979e-129feda16720" providerId="ADAL" clId="{F4891E39-2D7D-4D49-A1D5-1DCAA5CE2DEA}" dt="2025-04-27T08:54:56.083" v="988" actId="26606"/>
-          <ac:picMkLst>
-            <pc:docMk/>
-            <pc:sldMk cId="1188926096" sldId="271"/>
-            <ac:picMk id="3" creationId="{CCD9FDFD-8692-BA3F-1CDE-04C645EF2AED}"/>
-          </ac:picMkLst>
-        </pc:picChg>
       </pc:sldChg>
       <pc:sldChg chg="addSp modSp new mod ord setBg">
         <pc:chgData name="Kumar, Pronob" userId="d02b49e2-ad8b-46c0-979e-129feda16720" providerId="ADAL" clId="{F4891E39-2D7D-4D49-A1D5-1DCAA5CE2DEA}" dt="2025-04-27T09:05:30.087" v="1065" actId="14100"/>
@@ -1048,38 +294,6 @@
           <pc:docMk/>
           <pc:sldMk cId="2226423294" sldId="272"/>
         </pc:sldMkLst>
-        <pc:spChg chg="add mod">
-          <ac:chgData name="Kumar, Pronob" userId="d02b49e2-ad8b-46c0-979e-129feda16720" providerId="ADAL" clId="{F4891E39-2D7D-4D49-A1D5-1DCAA5CE2DEA}" dt="2025-04-27T09:05:21.103" v="1063" actId="26606"/>
-          <ac:spMkLst>
-            <pc:docMk/>
-            <pc:sldMk cId="2226423294" sldId="272"/>
-            <ac:spMk id="4" creationId="{A6CDBE18-8877-7C1D-0E41-8B6562041507}"/>
-          </ac:spMkLst>
-        </pc:spChg>
-        <pc:spChg chg="add">
-          <ac:chgData name="Kumar, Pronob" userId="d02b49e2-ad8b-46c0-979e-129feda16720" providerId="ADAL" clId="{F4891E39-2D7D-4D49-A1D5-1DCAA5CE2DEA}" dt="2025-04-27T09:05:21.103" v="1063" actId="26606"/>
-          <ac:spMkLst>
-            <pc:docMk/>
-            <pc:sldMk cId="2226423294" sldId="272"/>
-            <ac:spMk id="9" creationId="{BCED4D40-4B67-4331-AC48-79B82B4A47D8}"/>
-          </ac:spMkLst>
-        </pc:spChg>
-        <pc:spChg chg="add">
-          <ac:chgData name="Kumar, Pronob" userId="d02b49e2-ad8b-46c0-979e-129feda16720" providerId="ADAL" clId="{F4891E39-2D7D-4D49-A1D5-1DCAA5CE2DEA}" dt="2025-04-27T09:05:21.103" v="1063" actId="26606"/>
-          <ac:spMkLst>
-            <pc:docMk/>
-            <pc:sldMk cId="2226423294" sldId="272"/>
-            <ac:spMk id="11" creationId="{670CEDEF-4F34-412E-84EE-329C1E936AF5}"/>
-          </ac:spMkLst>
-        </pc:spChg>
-        <pc:picChg chg="add mod ord">
-          <ac:chgData name="Kumar, Pronob" userId="d02b49e2-ad8b-46c0-979e-129feda16720" providerId="ADAL" clId="{F4891E39-2D7D-4D49-A1D5-1DCAA5CE2DEA}" dt="2025-04-27T09:05:30.087" v="1065" actId="14100"/>
-          <ac:picMkLst>
-            <pc:docMk/>
-            <pc:sldMk cId="2226423294" sldId="272"/>
-            <ac:picMk id="3" creationId="{91D8CB9E-14C1-7FC6-168D-8FD8C6BAD13F}"/>
-          </ac:picMkLst>
-        </pc:picChg>
       </pc:sldChg>
       <pc:sldChg chg="addSp delSp add del setBg delDesignElem">
         <pc:chgData name="Kumar, Pronob" userId="d02b49e2-ad8b-46c0-979e-129feda16720" providerId="ADAL" clId="{F4891E39-2D7D-4D49-A1D5-1DCAA5CE2DEA}" dt="2025-04-27T09:03:45.191" v="1028"/>
@@ -1087,38 +301,6 @@
           <pc:docMk/>
           <pc:sldMk cId="3570409330" sldId="273"/>
         </pc:sldMkLst>
-        <pc:spChg chg="add del">
-          <ac:chgData name="Kumar, Pronob" userId="d02b49e2-ad8b-46c0-979e-129feda16720" providerId="ADAL" clId="{F4891E39-2D7D-4D49-A1D5-1DCAA5CE2DEA}" dt="2025-04-27T09:03:45.191" v="1028"/>
-          <ac:spMkLst>
-            <pc:docMk/>
-            <pc:sldMk cId="3570409330" sldId="273"/>
-            <ac:spMk id="8" creationId="{FECDA14E-2F46-65EE-FD80-FCBD6DB8FEFD}"/>
-          </ac:spMkLst>
-        </pc:spChg>
-        <pc:spChg chg="add del">
-          <ac:chgData name="Kumar, Pronob" userId="d02b49e2-ad8b-46c0-979e-129feda16720" providerId="ADAL" clId="{F4891E39-2D7D-4D49-A1D5-1DCAA5CE2DEA}" dt="2025-04-27T09:03:45.191" v="1028"/>
-          <ac:spMkLst>
-            <pc:docMk/>
-            <pc:sldMk cId="3570409330" sldId="273"/>
-            <ac:spMk id="10" creationId="{E06B707A-0F3B-7DDC-1945-86A1E9F02615}"/>
-          </ac:spMkLst>
-        </pc:spChg>
-        <pc:spChg chg="add del">
-          <ac:chgData name="Kumar, Pronob" userId="d02b49e2-ad8b-46c0-979e-129feda16720" providerId="ADAL" clId="{F4891E39-2D7D-4D49-A1D5-1DCAA5CE2DEA}" dt="2025-04-27T09:03:45.191" v="1028"/>
-          <ac:spMkLst>
-            <pc:docMk/>
-            <pc:sldMk cId="3570409330" sldId="273"/>
-            <ac:spMk id="12" creationId="{2DD337BD-4193-E8A9-A628-924569E912BF}"/>
-          </ac:spMkLst>
-        </pc:spChg>
-        <pc:spChg chg="add del">
-          <ac:chgData name="Kumar, Pronob" userId="d02b49e2-ad8b-46c0-979e-129feda16720" providerId="ADAL" clId="{F4891E39-2D7D-4D49-A1D5-1DCAA5CE2DEA}" dt="2025-04-27T09:03:45.191" v="1028"/>
-          <ac:spMkLst>
-            <pc:docMk/>
-            <pc:sldMk cId="3570409330" sldId="273"/>
-            <ac:spMk id="14" creationId="{BEC44BB3-EF88-5670-B06A-D3FBB78789B7}"/>
-          </ac:spMkLst>
-        </pc:spChg>
       </pc:sldChg>
       <pc:sldChg chg="addSp delSp modSp add mod">
         <pc:chgData name="Kumar, Pronob" userId="d02b49e2-ad8b-46c0-979e-129feda16720" providerId="ADAL" clId="{F4891E39-2D7D-4D49-A1D5-1DCAA5CE2DEA}" dt="2025-04-27T09:15:17.756" v="1201" actId="14100"/>
@@ -1126,38 +308,6 @@
           <pc:docMk/>
           <pc:sldMk cId="3743609257" sldId="273"/>
         </pc:sldMkLst>
-        <pc:spChg chg="add mod">
-          <ac:chgData name="Kumar, Pronob" userId="d02b49e2-ad8b-46c0-979e-129feda16720" providerId="ADAL" clId="{F4891E39-2D7D-4D49-A1D5-1DCAA5CE2DEA}" dt="2025-04-27T09:14:33.342" v="1191" actId="403"/>
-          <ac:spMkLst>
-            <pc:docMk/>
-            <pc:sldMk cId="3743609257" sldId="273"/>
-            <ac:spMk id="2" creationId="{8C45C281-64B8-99F3-7D61-DF5261A7457F}"/>
-          </ac:spMkLst>
-        </pc:spChg>
-        <pc:spChg chg="add del mod">
-          <ac:chgData name="Kumar, Pronob" userId="d02b49e2-ad8b-46c0-979e-129feda16720" providerId="ADAL" clId="{F4891E39-2D7D-4D49-A1D5-1DCAA5CE2DEA}" dt="2025-04-27T09:15:11.408" v="1200" actId="26606"/>
-          <ac:spMkLst>
-            <pc:docMk/>
-            <pc:sldMk cId="3743609257" sldId="273"/>
-            <ac:spMk id="3" creationId="{1A51D592-FC83-CB46-7492-12D882BACE35}"/>
-          </ac:spMkLst>
-        </pc:spChg>
-        <pc:spChg chg="add mod">
-          <ac:chgData name="Kumar, Pronob" userId="d02b49e2-ad8b-46c0-979e-129feda16720" providerId="ADAL" clId="{F4891E39-2D7D-4D49-A1D5-1DCAA5CE2DEA}" dt="2025-04-27T09:14:55.209" v="1199" actId="113"/>
-          <ac:spMkLst>
-            <pc:docMk/>
-            <pc:sldMk cId="3743609257" sldId="273"/>
-            <ac:spMk id="4" creationId="{D022558C-1714-2E8D-C63F-594D12CF3ECD}"/>
-          </ac:spMkLst>
-        </pc:spChg>
-        <pc:graphicFrameChg chg="add mod">
-          <ac:chgData name="Kumar, Pronob" userId="d02b49e2-ad8b-46c0-979e-129feda16720" providerId="ADAL" clId="{F4891E39-2D7D-4D49-A1D5-1DCAA5CE2DEA}" dt="2025-04-27T09:15:17.756" v="1201" actId="14100"/>
-          <ac:graphicFrameMkLst>
-            <pc:docMk/>
-            <pc:sldMk cId="3743609257" sldId="273"/>
-            <ac:graphicFrameMk id="6" creationId="{09CDC5A7-4C16-8B17-AED6-DBF62861A22B}"/>
-          </ac:graphicFrameMkLst>
-        </pc:graphicFrameChg>
       </pc:sldChg>
       <pc:sldChg chg="addSp delSp add del setBg delDesignElem">
         <pc:chgData name="Kumar, Pronob" userId="d02b49e2-ad8b-46c0-979e-129feda16720" providerId="ADAL" clId="{F4891E39-2D7D-4D49-A1D5-1DCAA5CE2DEA}" dt="2025-04-27T09:03:44.458" v="1027"/>
@@ -1165,38 +315,6 @@
           <pc:docMk/>
           <pc:sldMk cId="2158346734" sldId="274"/>
         </pc:sldMkLst>
-        <pc:spChg chg="add del">
-          <ac:chgData name="Kumar, Pronob" userId="d02b49e2-ad8b-46c0-979e-129feda16720" providerId="ADAL" clId="{F4891E39-2D7D-4D49-A1D5-1DCAA5CE2DEA}" dt="2025-04-27T09:03:44.458" v="1027"/>
-          <ac:spMkLst>
-            <pc:docMk/>
-            <pc:sldMk cId="2158346734" sldId="274"/>
-            <ac:spMk id="8" creationId="{322E7E17-0FE6-0D37-85D0-4F31E0D7355B}"/>
-          </ac:spMkLst>
-        </pc:spChg>
-        <pc:spChg chg="add del">
-          <ac:chgData name="Kumar, Pronob" userId="d02b49e2-ad8b-46c0-979e-129feda16720" providerId="ADAL" clId="{F4891E39-2D7D-4D49-A1D5-1DCAA5CE2DEA}" dt="2025-04-27T09:03:44.458" v="1027"/>
-          <ac:spMkLst>
-            <pc:docMk/>
-            <pc:sldMk cId="2158346734" sldId="274"/>
-            <ac:spMk id="10" creationId="{7B718CEF-DE91-F4D8-BBCB-B82B3B22E696}"/>
-          </ac:spMkLst>
-        </pc:spChg>
-        <pc:spChg chg="add del">
-          <ac:chgData name="Kumar, Pronob" userId="d02b49e2-ad8b-46c0-979e-129feda16720" providerId="ADAL" clId="{F4891E39-2D7D-4D49-A1D5-1DCAA5CE2DEA}" dt="2025-04-27T09:03:44.458" v="1027"/>
-          <ac:spMkLst>
-            <pc:docMk/>
-            <pc:sldMk cId="2158346734" sldId="274"/>
-            <ac:spMk id="12" creationId="{F120817C-14A3-DC07-0DC1-8518BAF8C147}"/>
-          </ac:spMkLst>
-        </pc:spChg>
-        <pc:spChg chg="add del">
-          <ac:chgData name="Kumar, Pronob" userId="d02b49e2-ad8b-46c0-979e-129feda16720" providerId="ADAL" clId="{F4891E39-2D7D-4D49-A1D5-1DCAA5CE2DEA}" dt="2025-04-27T09:03:44.458" v="1027"/>
-          <ac:spMkLst>
-            <pc:docMk/>
-            <pc:sldMk cId="2158346734" sldId="274"/>
-            <ac:spMk id="14" creationId="{F0A99228-44AA-0707-7813-B963DFC5884F}"/>
-          </ac:spMkLst>
-        </pc:spChg>
       </pc:sldChg>
       <pc:sldChg chg="addSp delSp modSp add mod setBg">
         <pc:chgData name="Kumar, Pronob" userId="d02b49e2-ad8b-46c0-979e-129feda16720" providerId="ADAL" clId="{F4891E39-2D7D-4D49-A1D5-1DCAA5CE2DEA}" dt="2025-04-27T09:19:15.578" v="1331" actId="26606"/>
@@ -1204,62 +322,6 @@
           <pc:docMk/>
           <pc:sldMk cId="2752363492" sldId="274"/>
         </pc:sldMkLst>
-        <pc:spChg chg="add del mod">
-          <ac:chgData name="Kumar, Pronob" userId="d02b49e2-ad8b-46c0-979e-129feda16720" providerId="ADAL" clId="{F4891E39-2D7D-4D49-A1D5-1DCAA5CE2DEA}" dt="2025-04-27T09:19:15.578" v="1331" actId="26606"/>
-          <ac:spMkLst>
-            <pc:docMk/>
-            <pc:sldMk cId="2752363492" sldId="274"/>
-            <ac:spMk id="3" creationId="{80D2E563-C5B3-5A9C-F4F4-4A024CBB2FAB}"/>
-          </ac:spMkLst>
-        </pc:spChg>
-        <pc:spChg chg="add mod">
-          <ac:chgData name="Kumar, Pronob" userId="d02b49e2-ad8b-46c0-979e-129feda16720" providerId="ADAL" clId="{F4891E39-2D7D-4D49-A1D5-1DCAA5CE2DEA}" dt="2025-04-27T09:19:15.578" v="1331" actId="26606"/>
-          <ac:spMkLst>
-            <pc:docMk/>
-            <pc:sldMk cId="2752363492" sldId="274"/>
-            <ac:spMk id="4" creationId="{B88D7B15-5849-6626-30A0-4C2D7D08D1F2}"/>
-          </ac:spMkLst>
-        </pc:spChg>
-        <pc:spChg chg="add">
-          <ac:chgData name="Kumar, Pronob" userId="d02b49e2-ad8b-46c0-979e-129feda16720" providerId="ADAL" clId="{F4891E39-2D7D-4D49-A1D5-1DCAA5CE2DEA}" dt="2025-04-27T09:19:15.578" v="1331" actId="26606"/>
-          <ac:spMkLst>
-            <pc:docMk/>
-            <pc:sldMk cId="2752363492" sldId="274"/>
-            <ac:spMk id="10" creationId="{BACC6370-2D7E-4714-9D71-7542949D7D5D}"/>
-          </ac:spMkLst>
-        </pc:spChg>
-        <pc:spChg chg="add">
-          <ac:chgData name="Kumar, Pronob" userId="d02b49e2-ad8b-46c0-979e-129feda16720" providerId="ADAL" clId="{F4891E39-2D7D-4D49-A1D5-1DCAA5CE2DEA}" dt="2025-04-27T09:19:15.578" v="1331" actId="26606"/>
-          <ac:spMkLst>
-            <pc:docMk/>
-            <pc:sldMk cId="2752363492" sldId="274"/>
-            <ac:spMk id="12" creationId="{F68B3F68-107C-434F-AA38-110D5EA91B85}"/>
-          </ac:spMkLst>
-        </pc:spChg>
-        <pc:spChg chg="add">
-          <ac:chgData name="Kumar, Pronob" userId="d02b49e2-ad8b-46c0-979e-129feda16720" providerId="ADAL" clId="{F4891E39-2D7D-4D49-A1D5-1DCAA5CE2DEA}" dt="2025-04-27T09:19:15.578" v="1331" actId="26606"/>
-          <ac:spMkLst>
-            <pc:docMk/>
-            <pc:sldMk cId="2752363492" sldId="274"/>
-            <ac:spMk id="14" creationId="{AAD0DBB9-1A4B-4391-81D4-CB19F9AB918A}"/>
-          </ac:spMkLst>
-        </pc:spChg>
-        <pc:spChg chg="add">
-          <ac:chgData name="Kumar, Pronob" userId="d02b49e2-ad8b-46c0-979e-129feda16720" providerId="ADAL" clId="{F4891E39-2D7D-4D49-A1D5-1DCAA5CE2DEA}" dt="2025-04-27T09:19:15.578" v="1331" actId="26606"/>
-          <ac:spMkLst>
-            <pc:docMk/>
-            <pc:sldMk cId="2752363492" sldId="274"/>
-            <ac:spMk id="16" creationId="{063BBA22-50EA-4C4D-BE05-F1CE4E63AA56}"/>
-          </ac:spMkLst>
-        </pc:spChg>
-        <pc:graphicFrameChg chg="add">
-          <ac:chgData name="Kumar, Pronob" userId="d02b49e2-ad8b-46c0-979e-129feda16720" providerId="ADAL" clId="{F4891E39-2D7D-4D49-A1D5-1DCAA5CE2DEA}" dt="2025-04-27T09:19:15.578" v="1331" actId="26606"/>
-          <ac:graphicFrameMkLst>
-            <pc:docMk/>
-            <pc:sldMk cId="2752363492" sldId="274"/>
-            <ac:graphicFrameMk id="6" creationId="{348EBB5D-FF92-54E6-A74A-5FF6CF8DB786}"/>
-          </ac:graphicFrameMkLst>
-        </pc:graphicFrameChg>
       </pc:sldChg>
       <pc:sldChg chg="addSp delSp modSp add mod setBg">
         <pc:chgData name="Kumar, Pronob" userId="d02b49e2-ad8b-46c0-979e-129feda16720" providerId="ADAL" clId="{F4891E39-2D7D-4D49-A1D5-1DCAA5CE2DEA}" dt="2025-04-27T09:20:27.283" v="1352" actId="26606"/>
@@ -1267,70 +329,6 @@
           <pc:docMk/>
           <pc:sldMk cId="1113220415" sldId="275"/>
         </pc:sldMkLst>
-        <pc:spChg chg="add mod">
-          <ac:chgData name="Kumar, Pronob" userId="d02b49e2-ad8b-46c0-979e-129feda16720" providerId="ADAL" clId="{F4891E39-2D7D-4D49-A1D5-1DCAA5CE2DEA}" dt="2025-04-27T09:20:27.283" v="1352" actId="26606"/>
-          <ac:spMkLst>
-            <pc:docMk/>
-            <pc:sldMk cId="1113220415" sldId="275"/>
-            <ac:spMk id="2" creationId="{8351CD52-4C03-3C9D-09D2-2BDE01E5FA2A}"/>
-          </ac:spMkLst>
-        </pc:spChg>
-        <pc:spChg chg="add">
-          <ac:chgData name="Kumar, Pronob" userId="d02b49e2-ad8b-46c0-979e-129feda16720" providerId="ADAL" clId="{F4891E39-2D7D-4D49-A1D5-1DCAA5CE2DEA}" dt="2025-04-27T09:20:27.283" v="1352" actId="26606"/>
-          <ac:spMkLst>
-            <pc:docMk/>
-            <pc:sldMk cId="1113220415" sldId="275"/>
-            <ac:spMk id="10" creationId="{4D60F200-5EB0-B223-2439-C96C67F0FEE1}"/>
-          </ac:spMkLst>
-        </pc:spChg>
-        <pc:spChg chg="add">
-          <ac:chgData name="Kumar, Pronob" userId="d02b49e2-ad8b-46c0-979e-129feda16720" providerId="ADAL" clId="{F4891E39-2D7D-4D49-A1D5-1DCAA5CE2DEA}" dt="2025-04-27T09:20:27.283" v="1352" actId="26606"/>
-          <ac:spMkLst>
-            <pc:docMk/>
-            <pc:sldMk cId="1113220415" sldId="275"/>
-            <ac:spMk id="12" creationId="{1740453C-744F-DB3A-47EC-15EACE1DC117}"/>
-          </ac:spMkLst>
-        </pc:spChg>
-        <pc:spChg chg="add">
-          <ac:chgData name="Kumar, Pronob" userId="d02b49e2-ad8b-46c0-979e-129feda16720" providerId="ADAL" clId="{F4891E39-2D7D-4D49-A1D5-1DCAA5CE2DEA}" dt="2025-04-27T09:20:27.283" v="1352" actId="26606"/>
-          <ac:spMkLst>
-            <pc:docMk/>
-            <pc:sldMk cId="1113220415" sldId="275"/>
-            <ac:spMk id="13" creationId="{B6924B03-77BD-EAE3-2854-43363FF8E6BB}"/>
-          </ac:spMkLst>
-        </pc:spChg>
-        <pc:spChg chg="add">
-          <ac:chgData name="Kumar, Pronob" userId="d02b49e2-ad8b-46c0-979e-129feda16720" providerId="ADAL" clId="{F4891E39-2D7D-4D49-A1D5-1DCAA5CE2DEA}" dt="2025-04-27T09:20:27.283" v="1352" actId="26606"/>
-          <ac:spMkLst>
-            <pc:docMk/>
-            <pc:sldMk cId="1113220415" sldId="275"/>
-            <ac:spMk id="14" creationId="{01EB5855-8EB7-1AE5-9030-5D0AA3C1AF4B}"/>
-          </ac:spMkLst>
-        </pc:spChg>
-        <pc:picChg chg="add del">
-          <ac:chgData name="Kumar, Pronob" userId="d02b49e2-ad8b-46c0-979e-129feda16720" providerId="ADAL" clId="{F4891E39-2D7D-4D49-A1D5-1DCAA5CE2DEA}" dt="2025-04-27T09:20:27.267" v="1351" actId="26606"/>
-          <ac:picMkLst>
-            <pc:docMk/>
-            <pc:sldMk cId="1113220415" sldId="275"/>
-            <ac:picMk id="4" creationId="{B26D9DC8-C994-FFB0-12F5-4E420CDF6CDE}"/>
-          </ac:picMkLst>
-        </pc:picChg>
-        <pc:picChg chg="add">
-          <ac:chgData name="Kumar, Pronob" userId="d02b49e2-ad8b-46c0-979e-129feda16720" providerId="ADAL" clId="{F4891E39-2D7D-4D49-A1D5-1DCAA5CE2DEA}" dt="2025-04-27T09:20:27.283" v="1352" actId="26606"/>
-          <ac:picMkLst>
-            <pc:docMk/>
-            <pc:sldMk cId="1113220415" sldId="275"/>
-            <ac:picMk id="11" creationId="{89755792-6287-65FF-7C34-E8CBD2CC8DA8}"/>
-          </ac:picMkLst>
-        </pc:picChg>
-        <pc:cxnChg chg="add del">
-          <ac:chgData name="Kumar, Pronob" userId="d02b49e2-ad8b-46c0-979e-129feda16720" providerId="ADAL" clId="{F4891E39-2D7D-4D49-A1D5-1DCAA5CE2DEA}" dt="2025-04-27T09:20:27.267" v="1351" actId="26606"/>
-          <ac:cxnSpMkLst>
-            <pc:docMk/>
-            <pc:sldMk cId="1113220415" sldId="275"/>
-            <ac:cxnSpMk id="8" creationId="{7667AA61-5C27-F30F-D229-06CBE5709F33}"/>
-          </ac:cxnSpMkLst>
-        </pc:cxnChg>
       </pc:sldChg>
       <pc:sldChg chg="addSp delSp add del setBg delDesignElem">
         <pc:chgData name="Kumar, Pronob" userId="d02b49e2-ad8b-46c0-979e-129feda16720" providerId="ADAL" clId="{F4891E39-2D7D-4D49-A1D5-1DCAA5CE2DEA}" dt="2025-04-27T09:03:44.143" v="1026"/>
@@ -1338,38 +336,6 @@
           <pc:docMk/>
           <pc:sldMk cId="3556283143" sldId="275"/>
         </pc:sldMkLst>
-        <pc:spChg chg="add del">
-          <ac:chgData name="Kumar, Pronob" userId="d02b49e2-ad8b-46c0-979e-129feda16720" providerId="ADAL" clId="{F4891E39-2D7D-4D49-A1D5-1DCAA5CE2DEA}" dt="2025-04-27T09:03:44.143" v="1026"/>
-          <ac:spMkLst>
-            <pc:docMk/>
-            <pc:sldMk cId="3556283143" sldId="275"/>
-            <ac:spMk id="8" creationId="{6BA90068-71FD-9B53-8801-FACD51411232}"/>
-          </ac:spMkLst>
-        </pc:spChg>
-        <pc:spChg chg="add del">
-          <ac:chgData name="Kumar, Pronob" userId="d02b49e2-ad8b-46c0-979e-129feda16720" providerId="ADAL" clId="{F4891E39-2D7D-4D49-A1D5-1DCAA5CE2DEA}" dt="2025-04-27T09:03:44.143" v="1026"/>
-          <ac:spMkLst>
-            <pc:docMk/>
-            <pc:sldMk cId="3556283143" sldId="275"/>
-            <ac:spMk id="10" creationId="{49C320B0-F5EE-DE6B-6A69-FB15CEB99ABB}"/>
-          </ac:spMkLst>
-        </pc:spChg>
-        <pc:spChg chg="add del">
-          <ac:chgData name="Kumar, Pronob" userId="d02b49e2-ad8b-46c0-979e-129feda16720" providerId="ADAL" clId="{F4891E39-2D7D-4D49-A1D5-1DCAA5CE2DEA}" dt="2025-04-27T09:03:44.143" v="1026"/>
-          <ac:spMkLst>
-            <pc:docMk/>
-            <pc:sldMk cId="3556283143" sldId="275"/>
-            <ac:spMk id="12" creationId="{A1212EDF-23EC-95E4-F40F-BC7295B9C109}"/>
-          </ac:spMkLst>
-        </pc:spChg>
-        <pc:spChg chg="add del">
-          <ac:chgData name="Kumar, Pronob" userId="d02b49e2-ad8b-46c0-979e-129feda16720" providerId="ADAL" clId="{F4891E39-2D7D-4D49-A1D5-1DCAA5CE2DEA}" dt="2025-04-27T09:03:44.143" v="1026"/>
-          <ac:spMkLst>
-            <pc:docMk/>
-            <pc:sldMk cId="3556283143" sldId="275"/>
-            <ac:spMk id="14" creationId="{11FD6435-1118-7648-8957-B4525D837404}"/>
-          </ac:spMkLst>
-        </pc:spChg>
       </pc:sldChg>
       <pc:sldChg chg="add del">
         <pc:chgData name="Kumar, Pronob" userId="d02b49e2-ad8b-46c0-979e-129feda16720" providerId="ADAL" clId="{F4891E39-2D7D-4D49-A1D5-1DCAA5CE2DEA}" dt="2025-04-27T09:19:52.583" v="1332" actId="47"/>
@@ -1384,78 +350,6 @@
           <pc:docMk/>
           <pc:sldMk cId="75635294" sldId="277"/>
         </pc:sldMkLst>
-        <pc:spChg chg="mod">
-          <ac:chgData name="Kumar, Pronob" userId="d02b49e2-ad8b-46c0-979e-129feda16720" providerId="ADAL" clId="{F4891E39-2D7D-4D49-A1D5-1DCAA5CE2DEA}" dt="2025-04-27T09:06:29.716" v="1074" actId="26606"/>
-          <ac:spMkLst>
-            <pc:docMk/>
-            <pc:sldMk cId="75635294" sldId="277"/>
-            <ac:spMk id="4" creationId="{6489EE25-8027-1D96-BCC0-727462BAFC6A}"/>
-          </ac:spMkLst>
-        </pc:spChg>
-        <pc:spChg chg="add">
-          <ac:chgData name="Kumar, Pronob" userId="d02b49e2-ad8b-46c0-979e-129feda16720" providerId="ADAL" clId="{F4891E39-2D7D-4D49-A1D5-1DCAA5CE2DEA}" dt="2025-04-27T09:06:29.716" v="1074" actId="26606"/>
-          <ac:spMkLst>
-            <pc:docMk/>
-            <pc:sldMk cId="75635294" sldId="277"/>
-            <ac:spMk id="7" creationId="{C59AB4C8-9178-4F7A-8404-6890510B5917}"/>
-          </ac:spMkLst>
-        </pc:spChg>
-        <pc:spChg chg="add">
-          <ac:chgData name="Kumar, Pronob" userId="d02b49e2-ad8b-46c0-979e-129feda16720" providerId="ADAL" clId="{F4891E39-2D7D-4D49-A1D5-1DCAA5CE2DEA}" dt="2025-04-27T09:06:29.716" v="1074" actId="26606"/>
-          <ac:spMkLst>
-            <pc:docMk/>
-            <pc:sldMk cId="75635294" sldId="277"/>
-            <ac:spMk id="8" creationId="{4CFDFB37-4BC7-42C6-915D-A6609139BFE7}"/>
-          </ac:spMkLst>
-        </pc:spChg>
-        <pc:spChg chg="del">
-          <ac:chgData name="Kumar, Pronob" userId="d02b49e2-ad8b-46c0-979e-129feda16720" providerId="ADAL" clId="{F4891E39-2D7D-4D49-A1D5-1DCAA5CE2DEA}" dt="2025-04-27T09:05:43.930" v="1067"/>
-          <ac:spMkLst>
-            <pc:docMk/>
-            <pc:sldMk cId="75635294" sldId="277"/>
-            <ac:spMk id="9" creationId="{092348C1-ED26-7356-1290-B1F74B883B24}"/>
-          </ac:spMkLst>
-        </pc:spChg>
-        <pc:spChg chg="add del">
-          <ac:chgData name="Kumar, Pronob" userId="d02b49e2-ad8b-46c0-979e-129feda16720" providerId="ADAL" clId="{F4891E39-2D7D-4D49-A1D5-1DCAA5CE2DEA}" dt="2025-04-27T09:06:25.012" v="1073" actId="26606"/>
-          <ac:spMkLst>
-            <pc:docMk/>
-            <pc:sldMk cId="75635294" sldId="277"/>
-            <ac:spMk id="10" creationId="{C59AB4C8-9178-4F7A-8404-6890510B5917}"/>
-          </ac:spMkLst>
-        </pc:spChg>
-        <pc:spChg chg="del">
-          <ac:chgData name="Kumar, Pronob" userId="d02b49e2-ad8b-46c0-979e-129feda16720" providerId="ADAL" clId="{F4891E39-2D7D-4D49-A1D5-1DCAA5CE2DEA}" dt="2025-04-27T09:05:43.930" v="1067"/>
-          <ac:spMkLst>
-            <pc:docMk/>
-            <pc:sldMk cId="75635294" sldId="277"/>
-            <ac:spMk id="11" creationId="{A87315BD-7497-2ECB-D94D-F50BF0A4204D}"/>
-          </ac:spMkLst>
-        </pc:spChg>
-        <pc:spChg chg="add del">
-          <ac:chgData name="Kumar, Pronob" userId="d02b49e2-ad8b-46c0-979e-129feda16720" providerId="ADAL" clId="{F4891E39-2D7D-4D49-A1D5-1DCAA5CE2DEA}" dt="2025-04-27T09:06:25.012" v="1073" actId="26606"/>
-          <ac:spMkLst>
-            <pc:docMk/>
-            <pc:sldMk cId="75635294" sldId="277"/>
-            <ac:spMk id="12" creationId="{4CFDFB37-4BC7-42C6-915D-A6609139BFE7}"/>
-          </ac:spMkLst>
-        </pc:spChg>
-        <pc:picChg chg="del">
-          <ac:chgData name="Kumar, Pronob" userId="d02b49e2-ad8b-46c0-979e-129feda16720" providerId="ADAL" clId="{F4891E39-2D7D-4D49-A1D5-1DCAA5CE2DEA}" dt="2025-04-27T09:06:16.161" v="1071" actId="478"/>
-          <ac:picMkLst>
-            <pc:docMk/>
-            <pc:sldMk cId="75635294" sldId="277"/>
-            <ac:picMk id="3" creationId="{3E6699A6-C8F0-20BC-85F5-BD0003987214}"/>
-          </ac:picMkLst>
-        </pc:picChg>
-        <pc:picChg chg="add mod">
-          <ac:chgData name="Kumar, Pronob" userId="d02b49e2-ad8b-46c0-979e-129feda16720" providerId="ADAL" clId="{F4891E39-2D7D-4D49-A1D5-1DCAA5CE2DEA}" dt="2025-04-27T09:06:42.044" v="1076" actId="14100"/>
-          <ac:picMkLst>
-            <pc:docMk/>
-            <pc:sldMk cId="75635294" sldId="277"/>
-            <ac:picMk id="5" creationId="{3BE01708-F389-F2A5-FD51-76CDC30D3A79}"/>
-          </ac:picMkLst>
-        </pc:picChg>
       </pc:sldChg>
     </pc:docChg>
   </pc:docChgLst>
@@ -1472,78 +366,30 @@
           <pc:docMk/>
           <pc:sldMk cId="1399489611" sldId="263"/>
         </pc:sldMkLst>
-        <pc:spChg chg="mod ord">
-          <ac:chgData name="Ahmed, A K M Tamim" userId="S::go7567vn@go.minnstate.edu::2f923e75-bca7-4ed7-a796-c77251fbde11" providerId="AD" clId="Web-{F7C333AC-EF8C-0C08-AC1A-B329F8468270}" dt="2025-04-28T05:03:48.650" v="131" actId="20577"/>
+      </pc:sldChg>
+    </pc:docChg>
+  </pc:docChgLst>
+  <pc:docChgLst>
+    <pc:chgData name="Kumar, Pronob" userId="d02b49e2-ad8b-46c0-979e-129feda16720" providerId="ADAL" clId="{B41445B4-506B-42E6-847C-AFF3E665062E}"/>
+    <pc:docChg chg="modSld">
+      <pc:chgData name="Kumar, Pronob" userId="d02b49e2-ad8b-46c0-979e-129feda16720" providerId="ADAL" clId="{B41445B4-506B-42E6-847C-AFF3E665062E}" dt="2025-09-12T01:05:33.647" v="3"/>
+      <pc:docMkLst>
+        <pc:docMk/>
+      </pc:docMkLst>
+      <pc:sldChg chg="modSp mod">
+        <pc:chgData name="Kumar, Pronob" userId="d02b49e2-ad8b-46c0-979e-129feda16720" providerId="ADAL" clId="{B41445B4-506B-42E6-847C-AFF3E665062E}" dt="2025-09-12T01:05:33.647" v="3"/>
+        <pc:sldMkLst>
+          <pc:docMk/>
+          <pc:sldMk cId="1399489611" sldId="263"/>
+        </pc:sldMkLst>
+        <pc:spChg chg="mod">
+          <ac:chgData name="Kumar, Pronob" userId="d02b49e2-ad8b-46c0-979e-129feda16720" providerId="ADAL" clId="{B41445B4-506B-42E6-847C-AFF3E665062E}" dt="2025-09-12T01:05:33.647" v="3"/>
           <ac:spMkLst>
             <pc:docMk/>
             <pc:sldMk cId="1399489611" sldId="263"/>
             <ac:spMk id="2" creationId="{4C21D65B-206E-4BD3-895F-FAA6BB80D253}"/>
           </ac:spMkLst>
         </pc:spChg>
-        <pc:spChg chg="add del">
-          <ac:chgData name="Ahmed, A K M Tamim" userId="S::go7567vn@go.minnstate.edu::2f923e75-bca7-4ed7-a796-c77251fbde11" providerId="AD" clId="Web-{F7C333AC-EF8C-0C08-AC1A-B329F8468270}" dt="2025-04-28T05:00:28.104" v="34"/>
-          <ac:spMkLst>
-            <pc:docMk/>
-            <pc:sldMk cId="1399489611" sldId="263"/>
-            <ac:spMk id="4" creationId="{317836B4-330A-1BC1-08C5-422EE0D56F04}"/>
-          </ac:spMkLst>
-        </pc:spChg>
-        <pc:spChg chg="add del">
-          <ac:chgData name="Ahmed, A K M Tamim" userId="S::go7567vn@go.minnstate.edu::2f923e75-bca7-4ed7-a796-c77251fbde11" providerId="AD" clId="Web-{F7C333AC-EF8C-0C08-AC1A-B329F8468270}" dt="2025-04-28T05:00:25.495" v="32"/>
-          <ac:spMkLst>
-            <pc:docMk/>
-            <pc:sldMk cId="1399489611" sldId="263"/>
-            <ac:spMk id="5" creationId="{C39993E0-5A95-32AA-7C7A-2D74FF3B0E7E}"/>
-          </ac:spMkLst>
-        </pc:spChg>
-        <pc:spChg chg="add del mod">
-          <ac:chgData name="Ahmed, A K M Tamim" userId="S::go7567vn@go.minnstate.edu::2f923e75-bca7-4ed7-a796-c77251fbde11" providerId="AD" clId="Web-{F7C333AC-EF8C-0C08-AC1A-B329F8468270}" dt="2025-04-28T05:00:22.745" v="30"/>
-          <ac:spMkLst>
-            <pc:docMk/>
-            <pc:sldMk cId="1399489611" sldId="263"/>
-            <ac:spMk id="6" creationId="{4D8BF9E8-B109-2BDB-537D-BD442F2DC45C}"/>
-          </ac:spMkLst>
-        </pc:spChg>
-        <pc:spChg chg="add">
-          <ac:chgData name="Ahmed, A K M Tamim" userId="S::go7567vn@go.minnstate.edu::2f923e75-bca7-4ed7-a796-c77251fbde11" providerId="AD" clId="Web-{F7C333AC-EF8C-0C08-AC1A-B329F8468270}" dt="2025-04-28T04:58:42.713" v="1"/>
-          <ac:spMkLst>
-            <pc:docMk/>
-            <pc:sldMk cId="1399489611" sldId="263"/>
-            <ac:spMk id="8" creationId="{0671A8AE-40A1-4631-A6B8-581AFF065482}"/>
-          </ac:spMkLst>
-        </pc:spChg>
-        <pc:spChg chg="add">
-          <ac:chgData name="Ahmed, A K M Tamim" userId="S::go7567vn@go.minnstate.edu::2f923e75-bca7-4ed7-a796-c77251fbde11" providerId="AD" clId="Web-{F7C333AC-EF8C-0C08-AC1A-B329F8468270}" dt="2025-04-28T04:58:42.713" v="1"/>
-          <ac:spMkLst>
-            <pc:docMk/>
-            <pc:sldMk cId="1399489611" sldId="263"/>
-            <ac:spMk id="10" creationId="{AB58EF07-17C2-48CF-ABB0-EEF1F17CB8F0}"/>
-          </ac:spMkLst>
-        </pc:spChg>
-        <pc:spChg chg="add">
-          <ac:chgData name="Ahmed, A K M Tamim" userId="S::go7567vn@go.minnstate.edu::2f923e75-bca7-4ed7-a796-c77251fbde11" providerId="AD" clId="Web-{F7C333AC-EF8C-0C08-AC1A-B329F8468270}" dt="2025-04-28T04:58:42.713" v="1"/>
-          <ac:spMkLst>
-            <pc:docMk/>
-            <pc:sldMk cId="1399489611" sldId="263"/>
-            <ac:spMk id="12" creationId="{AF2F604E-43BE-4DC3-B983-E071523364F8}"/>
-          </ac:spMkLst>
-        </pc:spChg>
-        <pc:spChg chg="add">
-          <ac:chgData name="Ahmed, A K M Tamim" userId="S::go7567vn@go.minnstate.edu::2f923e75-bca7-4ed7-a796-c77251fbde11" providerId="AD" clId="Web-{F7C333AC-EF8C-0C08-AC1A-B329F8468270}" dt="2025-04-28T04:58:42.713" v="1"/>
-          <ac:spMkLst>
-            <pc:docMk/>
-            <pc:sldMk cId="1399489611" sldId="263"/>
-            <ac:spMk id="14" creationId="{08C9B587-E65E-4B52-B37C-ABEBB6E87928}"/>
-          </ac:spMkLst>
-        </pc:spChg>
-        <pc:picChg chg="add mod">
-          <ac:chgData name="Ahmed, A K M Tamim" userId="S::go7567vn@go.minnstate.edu::2f923e75-bca7-4ed7-a796-c77251fbde11" providerId="AD" clId="Web-{F7C333AC-EF8C-0C08-AC1A-B329F8468270}" dt="2025-04-28T05:04:06.713" v="133" actId="14100"/>
-          <ac:picMkLst>
-            <pc:docMk/>
-            <pc:sldMk cId="1399489611" sldId="263"/>
-            <ac:picMk id="3" creationId="{AF9F289D-0663-8A66-727F-40354A069BCC}"/>
-          </ac:picMkLst>
-        </pc:picChg>
       </pc:sldChg>
     </pc:docChg>
   </pc:docChgLst>
@@ -19757,7 +18603,7 @@
           <a:p>
             <a:fld id="{D8871746-7CCD-4CD1-BC8C-5A5E6239720E}" type="datetimeFigureOut">
               <a:rPr lang="en-US" smtClean="0"/>
-              <a:t>4/28/2025</a:t>
+              <a:t>9/11/2025</a:t>
             </a:fld>
             <a:endParaRPr lang="en-US"/>
           </a:p>
@@ -19955,7 +18801,7 @@
           <a:p>
             <a:fld id="{D8871746-7CCD-4CD1-BC8C-5A5E6239720E}" type="datetimeFigureOut">
               <a:rPr lang="en-US" smtClean="0"/>
-              <a:t>4/28/2025</a:t>
+              <a:t>9/11/2025</a:t>
             </a:fld>
             <a:endParaRPr lang="en-US"/>
           </a:p>
@@ -20163,7 +19009,7 @@
           <a:p>
             <a:fld id="{D8871746-7CCD-4CD1-BC8C-5A5E6239720E}" type="datetimeFigureOut">
               <a:rPr lang="en-US" smtClean="0"/>
-              <a:t>4/28/2025</a:t>
+              <a:t>9/11/2025</a:t>
             </a:fld>
             <a:endParaRPr lang="en-US"/>
           </a:p>
@@ -20361,7 +19207,7 @@
           <a:p>
             <a:fld id="{D8871746-7CCD-4CD1-BC8C-5A5E6239720E}" type="datetimeFigureOut">
               <a:rPr lang="en-US" smtClean="0"/>
-              <a:t>4/28/2025</a:t>
+              <a:t>9/11/2025</a:t>
             </a:fld>
             <a:endParaRPr lang="en-US"/>
           </a:p>
@@ -20636,7 +19482,7 @@
           <a:p>
             <a:fld id="{D8871746-7CCD-4CD1-BC8C-5A5E6239720E}" type="datetimeFigureOut">
               <a:rPr lang="en-US" smtClean="0"/>
-              <a:t>4/28/2025</a:t>
+              <a:t>9/11/2025</a:t>
             </a:fld>
             <a:endParaRPr lang="en-US"/>
           </a:p>
@@ -20901,7 +19747,7 @@
           <a:p>
             <a:fld id="{D8871746-7CCD-4CD1-BC8C-5A5E6239720E}" type="datetimeFigureOut">
               <a:rPr lang="en-US" smtClean="0"/>
-              <a:t>4/28/2025</a:t>
+              <a:t>9/11/2025</a:t>
             </a:fld>
             <a:endParaRPr lang="en-US"/>
           </a:p>
@@ -21313,7 +20159,7 @@
           <a:p>
             <a:fld id="{D8871746-7CCD-4CD1-BC8C-5A5E6239720E}" type="datetimeFigureOut">
               <a:rPr lang="en-US" smtClean="0"/>
-              <a:t>4/28/2025</a:t>
+              <a:t>9/11/2025</a:t>
             </a:fld>
             <a:endParaRPr lang="en-US"/>
           </a:p>
@@ -21454,7 +20300,7 @@
           <a:p>
             <a:fld id="{D8871746-7CCD-4CD1-BC8C-5A5E6239720E}" type="datetimeFigureOut">
               <a:rPr lang="en-US" smtClean="0"/>
-              <a:t>4/28/2025</a:t>
+              <a:t>9/11/2025</a:t>
             </a:fld>
             <a:endParaRPr lang="en-US"/>
           </a:p>
@@ -21567,7 +20413,7 @@
           <a:p>
             <a:fld id="{D8871746-7CCD-4CD1-BC8C-5A5E6239720E}" type="datetimeFigureOut">
               <a:rPr lang="en-US" smtClean="0"/>
-              <a:t>4/28/2025</a:t>
+              <a:t>9/11/2025</a:t>
             </a:fld>
             <a:endParaRPr lang="en-US"/>
           </a:p>
@@ -21878,7 +20724,7 @@
           <a:p>
             <a:fld id="{D8871746-7CCD-4CD1-BC8C-5A5E6239720E}" type="datetimeFigureOut">
               <a:rPr lang="en-US" smtClean="0"/>
-              <a:t>4/28/2025</a:t>
+              <a:t>9/11/2025</a:t>
             </a:fld>
             <a:endParaRPr lang="en-US"/>
           </a:p>
@@ -22166,7 +21012,7 @@
           <a:p>
             <a:fld id="{D8871746-7CCD-4CD1-BC8C-5A5E6239720E}" type="datetimeFigureOut">
               <a:rPr lang="en-US" smtClean="0"/>
-              <a:t>4/28/2025</a:t>
+              <a:t>9/11/2025</a:t>
             </a:fld>
             <a:endParaRPr lang="en-US"/>
           </a:p>
@@ -22407,7 +21253,7 @@
           <a:p>
             <a:fld id="{D8871746-7CCD-4CD1-BC8C-5A5E6239720E}" type="datetimeFigureOut">
               <a:rPr lang="en-US" smtClean="0"/>
-              <a:t>4/28/2025</a:t>
+              <a:t>9/11/2025</a:t>
             </a:fld>
             <a:endParaRPr lang="en-US"/>
           </a:p>
@@ -23170,30 +22016,8 @@
                   <a:schemeClr val="bg1"/>
                 </a:solidFill>
                 <a:latin typeface="Calisto MT"/>
-                <a:ea typeface="+mj-ea"/>
-                <a:cs typeface="+mj-cs"/>
               </a:rPr>
-              <a:t>Bradley Budach, </a:t>
-            </a:r>
-            <a:endParaRPr lang="en-US" sz="4400">
-              <a:solidFill>
-                <a:schemeClr val="bg1"/>
-              </a:solidFill>
-              <a:ea typeface="+mj-ea"/>
-              <a:cs typeface="+mj-cs"/>
-            </a:endParaRPr>
-          </a:p>
-          <a:p>
-            <a:r>
-              <a:rPr lang="en-US" sz="4400" err="1">
-                <a:solidFill>
-                  <a:schemeClr val="bg1"/>
-                </a:solidFill>
-                <a:latin typeface="Calisto MT"/>
-                <a:ea typeface="+mj-ea"/>
-                <a:cs typeface="+mj-cs"/>
-              </a:rPr>
-              <a:t>Pronob</a:t>
+              <a:t>Pronob Kumar</a:t>
             </a:r>
             <a:r>
               <a:rPr lang="en-US" sz="4400" dirty="0">
@@ -23204,9 +22028,38 @@
                 <a:ea typeface="+mj-ea"/>
                 <a:cs typeface="+mj-cs"/>
               </a:rPr>
-              <a:t> Kumar, </a:t>
+              <a:t>, </a:t>
             </a:r>
-            <a:endParaRPr lang="en-US" sz="4400">
+            <a:endParaRPr lang="en-US" sz="4400" dirty="0">
+              <a:solidFill>
+                <a:schemeClr val="bg1"/>
+              </a:solidFill>
+              <a:ea typeface="+mj-ea"/>
+              <a:cs typeface="+mj-cs"/>
+            </a:endParaRPr>
+          </a:p>
+          <a:p>
+            <a:r>
+              <a:rPr lang="en-US" sz="4400" dirty="0">
+                <a:solidFill>
+                  <a:schemeClr val="bg1"/>
+                </a:solidFill>
+                <a:latin typeface="Calisto MT"/>
+              </a:rPr>
+              <a:t>Bradley Budach</a:t>
+            </a:r>
+            <a:r>
+              <a:rPr lang="en-US" sz="4400" dirty="0">
+                <a:solidFill>
+                  <a:schemeClr val="bg1"/>
+                </a:solidFill>
+                <a:latin typeface="Calisto MT"/>
+                <a:ea typeface="+mj-ea"/>
+                <a:cs typeface="+mj-cs"/>
+              </a:rPr>
+              <a:t>, </a:t>
+            </a:r>
+            <a:endParaRPr lang="en-US" sz="4400" dirty="0">
               <a:solidFill>
                 <a:schemeClr val="bg1"/>
               </a:solidFill>
@@ -23226,7 +22079,7 @@
               </a:rPr>
               <a:t>Tamim Ahmed</a:t>
             </a:r>
-            <a:endParaRPr lang="en-US" sz="4400">
+            <a:endParaRPr lang="en-US" sz="4400" dirty="0">
               <a:solidFill>
                 <a:schemeClr val="bg1"/>
               </a:solidFill>
